--- a/AI02-DataScience.pptx
+++ b/AI02-DataScience.pptx
@@ -5,10 +5,10 @@
     <p:sldMasterId id="2147483653" r:id="rId1"/>
   </p:sldMasterIdLst>
   <p:notesMasterIdLst>
-    <p:notesMasterId r:id="rId32"/>
+    <p:notesMasterId r:id="rId48"/>
   </p:notesMasterIdLst>
   <p:handoutMasterIdLst>
-    <p:handoutMasterId r:id="rId33"/>
+    <p:handoutMasterId r:id="rId49"/>
   </p:handoutMasterIdLst>
   <p:sldIdLst>
     <p:sldId id="264" r:id="rId2"/>
@@ -16,31 +16,47 @@
     <p:sldId id="280" r:id="rId4"/>
     <p:sldId id="281" r:id="rId5"/>
     <p:sldId id="282" r:id="rId6"/>
-    <p:sldId id="283" r:id="rId7"/>
-    <p:sldId id="284" r:id="rId8"/>
-    <p:sldId id="285" r:id="rId9"/>
-    <p:sldId id="293" r:id="rId10"/>
-    <p:sldId id="345" r:id="rId11"/>
-    <p:sldId id="294" r:id="rId12"/>
-    <p:sldId id="295" r:id="rId13"/>
-    <p:sldId id="296" r:id="rId14"/>
-    <p:sldId id="297" r:id="rId15"/>
-    <p:sldId id="300" r:id="rId16"/>
-    <p:sldId id="336" r:id="rId17"/>
-    <p:sldId id="314" r:id="rId18"/>
-    <p:sldId id="333" r:id="rId19"/>
-    <p:sldId id="322" r:id="rId20"/>
-    <p:sldId id="340" r:id="rId21"/>
-    <p:sldId id="341" r:id="rId22"/>
-    <p:sldId id="346" r:id="rId23"/>
-    <p:sldId id="266" r:id="rId24"/>
-    <p:sldId id="267" r:id="rId25"/>
-    <p:sldId id="271" r:id="rId26"/>
-    <p:sldId id="268" r:id="rId27"/>
-    <p:sldId id="273" r:id="rId28"/>
-    <p:sldId id="269" r:id="rId29"/>
-    <p:sldId id="274" r:id="rId30"/>
-    <p:sldId id="347" r:id="rId31"/>
+    <p:sldId id="364" r:id="rId7"/>
+    <p:sldId id="283" r:id="rId8"/>
+    <p:sldId id="363" r:id="rId9"/>
+    <p:sldId id="258" r:id="rId10"/>
+    <p:sldId id="284" r:id="rId11"/>
+    <p:sldId id="285" r:id="rId12"/>
+    <p:sldId id="293" r:id="rId13"/>
+    <p:sldId id="345" r:id="rId14"/>
+    <p:sldId id="294" r:id="rId15"/>
+    <p:sldId id="295" r:id="rId16"/>
+    <p:sldId id="296" r:id="rId17"/>
+    <p:sldId id="297" r:id="rId18"/>
+    <p:sldId id="300" r:id="rId19"/>
+    <p:sldId id="336" r:id="rId20"/>
+    <p:sldId id="314" r:id="rId21"/>
+    <p:sldId id="333" r:id="rId22"/>
+    <p:sldId id="322" r:id="rId23"/>
+    <p:sldId id="340" r:id="rId24"/>
+    <p:sldId id="341" r:id="rId25"/>
+    <p:sldId id="346" r:id="rId26"/>
+    <p:sldId id="266" r:id="rId27"/>
+    <p:sldId id="267" r:id="rId28"/>
+    <p:sldId id="271" r:id="rId29"/>
+    <p:sldId id="268" r:id="rId30"/>
+    <p:sldId id="273" r:id="rId31"/>
+    <p:sldId id="269" r:id="rId32"/>
+    <p:sldId id="274" r:id="rId33"/>
+    <p:sldId id="347" r:id="rId34"/>
+    <p:sldId id="270" r:id="rId35"/>
+    <p:sldId id="353" r:id="rId36"/>
+    <p:sldId id="354" r:id="rId37"/>
+    <p:sldId id="355" r:id="rId38"/>
+    <p:sldId id="275" r:id="rId39"/>
+    <p:sldId id="276" r:id="rId40"/>
+    <p:sldId id="277" r:id="rId41"/>
+    <p:sldId id="278" r:id="rId42"/>
+    <p:sldId id="356" r:id="rId43"/>
+    <p:sldId id="357" r:id="rId44"/>
+    <p:sldId id="358" r:id="rId45"/>
+    <p:sldId id="359" r:id="rId46"/>
+    <p:sldId id="360" r:id="rId47"/>
   </p:sldIdLst>
   <p:sldSz cx="9144000" cy="6858000" type="screen4x3"/>
   <p:notesSz cx="6648450" cy="9782175"/>
@@ -3819,6 +3835,337 @@
           <a:p>
             <a:r>
               <a:rPr lang="fr-FR" dirty="0"/>
+              <a:t>Les langages</a:t>
+            </a:r>
+          </a:p>
+        </p:txBody>
+      </p:sp>
+      <p:sp>
+        <p:nvSpPr>
+          <p:cNvPr id="3" name="Espace réservé du contenu 2"/>
+          <p:cNvSpPr>
+            <a:spLocks noGrp="1"/>
+          </p:cNvSpPr>
+          <p:nvPr>
+            <p:ph idx="1"/>
+          </p:nvPr>
+        </p:nvSpPr>
+        <p:spPr/>
+        <p:txBody>
+          <a:bodyPr/>
+          <a:lstStyle/>
+          <a:p>
+            <a:r>
+              <a:rPr lang="fr-FR" dirty="0"/>
+              <a:t>Les "nouveaux"</a:t>
+            </a:r>
+          </a:p>
+          <a:p>
+            <a:pPr lvl="1"/>
+            <a:r>
+              <a:rPr lang="fr-FR" dirty="0"/>
+              <a:t>Python, R, Scala, </a:t>
+            </a:r>
+            <a:r>
+              <a:rPr lang="fr-FR" dirty="0" err="1"/>
+              <a:t>Kotlin</a:t>
+            </a:r>
+            <a:r>
+              <a:rPr lang="fr-FR" dirty="0"/>
+              <a:t>, Julia, …</a:t>
+            </a:r>
+          </a:p>
+          <a:p>
+            <a:r>
+              <a:rPr lang="fr-FR" dirty="0"/>
+              <a:t>Les "anciens"</a:t>
+            </a:r>
+          </a:p>
+          <a:p>
+            <a:pPr lvl="1"/>
+            <a:r>
+              <a:rPr lang="fr-FR" dirty="0"/>
+              <a:t>Java, C#</a:t>
+            </a:r>
+          </a:p>
+        </p:txBody>
+      </p:sp>
+    </p:spTree>
+    <p:extLst>
+      <p:ext uri="{BB962C8B-B14F-4D97-AF65-F5344CB8AC3E}">
+        <p14:creationId xmlns:p14="http://schemas.microsoft.com/office/powerpoint/2010/main" val="3006852767"/>
+      </p:ext>
+    </p:extLst>
+  </p:cSld>
+  <p:clrMapOvr>
+    <a:masterClrMapping/>
+  </p:clrMapOvr>
+</p:sld>
+</file>
+
+<file path=ppt/slides/slide11.xml><?xml version="1.0" encoding="utf-8"?>
+<p:sld xmlns:a="http://schemas.openxmlformats.org/drawingml/2006/main" xmlns:r="http://schemas.openxmlformats.org/officeDocument/2006/relationships" xmlns:p="http://schemas.openxmlformats.org/presentationml/2006/main">
+  <p:cSld>
+    <p:spTree>
+      <p:nvGrpSpPr>
+        <p:cNvPr id="1" name=""/>
+        <p:cNvGrpSpPr/>
+        <p:nvPr/>
+      </p:nvGrpSpPr>
+      <p:grpSpPr>
+        <a:xfrm>
+          <a:off x="0" y="0"/>
+          <a:ext cx="0" cy="0"/>
+          <a:chOff x="0" y="0"/>
+          <a:chExt cx="0" cy="0"/>
+        </a:xfrm>
+      </p:grpSpPr>
+      <p:sp>
+        <p:nvSpPr>
+          <p:cNvPr id="2" name="Titre 1"/>
+          <p:cNvSpPr>
+            <a:spLocks noGrp="1"/>
+          </p:cNvSpPr>
+          <p:nvPr>
+            <p:ph type="title"/>
+          </p:nvPr>
+        </p:nvSpPr>
+        <p:spPr/>
+        <p:txBody>
+          <a:bodyPr/>
+          <a:lstStyle/>
+          <a:p>
+            <a:r>
+              <a:rPr lang="fr-FR" dirty="0"/>
+              <a:t>Data </a:t>
+            </a:r>
+            <a:r>
+              <a:rPr lang="fr-FR" dirty="0" err="1"/>
+              <a:t>Scientist</a:t>
+            </a:r>
+            <a:endParaRPr lang="fr-FR" dirty="0"/>
+          </a:p>
+        </p:txBody>
+      </p:sp>
+      <p:sp>
+        <p:nvSpPr>
+          <p:cNvPr id="3" name="Espace réservé du contenu 2"/>
+          <p:cNvSpPr>
+            <a:spLocks noGrp="1"/>
+          </p:cNvSpPr>
+          <p:nvPr>
+            <p:ph idx="1"/>
+          </p:nvPr>
+        </p:nvSpPr>
+        <p:spPr/>
+        <p:txBody>
+          <a:bodyPr/>
+          <a:lstStyle/>
+          <a:p>
+            <a:r>
+              <a:rPr lang="fr-FR" dirty="0"/>
+              <a:t>Le premier objectif du data </a:t>
+            </a:r>
+            <a:r>
+              <a:rPr lang="fr-FR" dirty="0" err="1"/>
+              <a:t>scientist</a:t>
+            </a:r>
+            <a:r>
+              <a:rPr lang="fr-FR" dirty="0"/>
+              <a:t> est de produire des méthodes (automatisées, autant que possible) de tri et d'analyse de données de masse et de sources plus ou moins complexes ou disjointes de données, afin d'en extraire des informations utiles ou potentiellement utiles</a:t>
+            </a:r>
+          </a:p>
+          <a:p>
+            <a:r>
+              <a:rPr lang="fr-FR" dirty="0"/>
+              <a:t>Terme inventé en 2001 par William Cleveland</a:t>
+            </a:r>
+          </a:p>
+          <a:p>
+            <a:r>
+              <a:rPr lang="en-US" dirty="0"/>
+              <a:t>Data Scientist (n.): Person who is better at statistics than any software engineer and better at software engineering than any statistician</a:t>
+            </a:r>
+            <a:endParaRPr lang="fr-FR" dirty="0"/>
+          </a:p>
+          <a:p>
+            <a:endParaRPr lang="fr-FR" dirty="0"/>
+          </a:p>
+        </p:txBody>
+      </p:sp>
+    </p:spTree>
+    <p:extLst>
+      <p:ext uri="{BB962C8B-B14F-4D97-AF65-F5344CB8AC3E}">
+        <p14:creationId xmlns:p14="http://schemas.microsoft.com/office/powerpoint/2010/main" val="2049857567"/>
+      </p:ext>
+    </p:extLst>
+  </p:cSld>
+  <p:clrMapOvr>
+    <a:masterClrMapping/>
+  </p:clrMapOvr>
+</p:sld>
+</file>
+
+<file path=ppt/slides/slide12.xml><?xml version="1.0" encoding="utf-8"?>
+<p:sld xmlns:a="http://schemas.openxmlformats.org/drawingml/2006/main" xmlns:r="http://schemas.openxmlformats.org/officeDocument/2006/relationships" xmlns:p="http://schemas.openxmlformats.org/presentationml/2006/main">
+  <p:cSld>
+    <p:spTree>
+      <p:nvGrpSpPr>
+        <p:cNvPr id="1" name=""/>
+        <p:cNvGrpSpPr/>
+        <p:nvPr/>
+      </p:nvGrpSpPr>
+      <p:grpSpPr>
+        <a:xfrm>
+          <a:off x="0" y="0"/>
+          <a:ext cx="0" cy="0"/>
+          <a:chOff x="0" y="0"/>
+          <a:chExt cx="0" cy="0"/>
+        </a:xfrm>
+      </p:grpSpPr>
+      <p:sp>
+        <p:nvSpPr>
+          <p:cNvPr id="2" name="Titre 1"/>
+          <p:cNvSpPr>
+            <a:spLocks noGrp="1"/>
+          </p:cNvSpPr>
+          <p:nvPr>
+            <p:ph type="title"/>
+          </p:nvPr>
+        </p:nvSpPr>
+        <p:spPr/>
+        <p:txBody>
+          <a:bodyPr/>
+          <a:lstStyle/>
+          <a:p>
+            <a:r>
+              <a:rPr lang="fr-FR" dirty="0"/>
+              <a:t>But</a:t>
+            </a:r>
+          </a:p>
+        </p:txBody>
+      </p:sp>
+      <p:sp>
+        <p:nvSpPr>
+          <p:cNvPr id="3" name="Espace réservé du contenu 2"/>
+          <p:cNvSpPr>
+            <a:spLocks noGrp="1"/>
+          </p:cNvSpPr>
+          <p:nvPr>
+            <p:ph idx="1"/>
+          </p:nvPr>
+        </p:nvSpPr>
+        <p:spPr>
+          <a:xfrm>
+            <a:off x="628650" y="2040037"/>
+            <a:ext cx="7886700" cy="3263504"/>
+          </a:xfrm>
+        </p:spPr>
+        <p:txBody>
+          <a:bodyPr/>
+          <a:lstStyle/>
+          <a:p>
+            <a:r>
+              <a:rPr lang="fr-FR" dirty="0"/>
+              <a:t>En Machine Learning, l'objectif est de trouver un modèle mathématique du phénomène à l'origine des données par apprentissage</a:t>
+            </a:r>
+          </a:p>
+        </p:txBody>
+      </p:sp>
+      <p:pic>
+        <p:nvPicPr>
+          <p:cNvPr id="1026" name="Picture 2" descr="Machine learning en E-commerce : une expérience client optimale - Arkheus">
+            <a:extLst>
+              <a:ext uri="{FF2B5EF4-FFF2-40B4-BE49-F238E27FC236}">
+                <a16:creationId xmlns:a16="http://schemas.microsoft.com/office/drawing/2014/main" id="{AB55968D-DE43-4613-BCDF-B4584C3687F3}"/>
+              </a:ext>
+            </a:extLst>
+          </p:cNvPr>
+          <p:cNvPicPr>
+            <a:picLocks noChangeAspect="1" noChangeArrowheads="1"/>
+          </p:cNvPicPr>
+          <p:nvPr/>
+        </p:nvPicPr>
+        <p:blipFill>
+          <a:blip r:embed="rId2">
+            <a:extLst>
+              <a:ext uri="{28A0092B-C50C-407E-A947-70E740481C1C}">
+                <a14:useLocalDpi xmlns:a14="http://schemas.microsoft.com/office/drawing/2010/main" val="0"/>
+              </a:ext>
+            </a:extLst>
+          </a:blip>
+          <a:srcRect/>
+          <a:stretch>
+            <a:fillRect/>
+          </a:stretch>
+        </p:blipFill>
+        <p:spPr bwMode="auto">
+          <a:xfrm>
+            <a:off x="2915816" y="3501008"/>
+            <a:ext cx="3515592" cy="2487281"/>
+          </a:xfrm>
+          <a:prstGeom prst="rect">
+            <a:avLst/>
+          </a:prstGeom>
+          <a:noFill/>
+          <a:extLst>
+            <a:ext uri="{909E8E84-426E-40DD-AFC4-6F175D3DCCD1}">
+              <a14:hiddenFill xmlns:a14="http://schemas.microsoft.com/office/drawing/2010/main">
+                <a:solidFill>
+                  <a:srgbClr val="FFFFFF"/>
+                </a:solidFill>
+              </a14:hiddenFill>
+            </a:ext>
+          </a:extLst>
+        </p:spPr>
+      </p:pic>
+    </p:spTree>
+    <p:extLst>
+      <p:ext uri="{BB962C8B-B14F-4D97-AF65-F5344CB8AC3E}">
+        <p14:creationId xmlns:p14="http://schemas.microsoft.com/office/powerpoint/2010/main" val="3171926051"/>
+      </p:ext>
+    </p:extLst>
+  </p:cSld>
+  <p:clrMapOvr>
+    <a:masterClrMapping/>
+  </p:clrMapOvr>
+</p:sld>
+</file>
+
+<file path=ppt/slides/slide13.xml><?xml version="1.0" encoding="utf-8"?>
+<p:sld xmlns:a="http://schemas.openxmlformats.org/drawingml/2006/main" xmlns:r="http://schemas.openxmlformats.org/officeDocument/2006/relationships" xmlns:p="http://schemas.openxmlformats.org/presentationml/2006/main">
+  <p:cSld>
+    <p:spTree>
+      <p:nvGrpSpPr>
+        <p:cNvPr id="1" name=""/>
+        <p:cNvGrpSpPr/>
+        <p:nvPr/>
+      </p:nvGrpSpPr>
+      <p:grpSpPr>
+        <a:xfrm>
+          <a:off x="0" y="0"/>
+          <a:ext cx="0" cy="0"/>
+          <a:chOff x="0" y="0"/>
+          <a:chExt cx="0" cy="0"/>
+        </a:xfrm>
+      </p:grpSpPr>
+      <p:sp>
+        <p:nvSpPr>
+          <p:cNvPr id="2" name="Titre 1"/>
+          <p:cNvSpPr>
+            <a:spLocks noGrp="1"/>
+          </p:cNvSpPr>
+          <p:nvPr>
+            <p:ph type="title"/>
+          </p:nvPr>
+        </p:nvSpPr>
+        <p:spPr/>
+        <p:txBody>
+          <a:bodyPr/>
+          <a:lstStyle/>
+          <a:p>
+            <a:r>
+              <a:rPr lang="fr-FR" dirty="0"/>
               <a:t>Apprentissage non supervisé ou semi-supervisé</a:t>
             </a:r>
           </a:p>
@@ -3905,7 +4252,7 @@
 </p:sld>
 </file>
 
-<file path=ppt/slides/slide11.xml><?xml version="1.0" encoding="utf-8"?>
+<file path=ppt/slides/slide14.xml><?xml version="1.0" encoding="utf-8"?>
 <p:sld xmlns:a="http://schemas.openxmlformats.org/drawingml/2006/main" xmlns:r="http://schemas.openxmlformats.org/officeDocument/2006/relationships" xmlns:p="http://schemas.openxmlformats.org/presentationml/2006/main">
   <p:cSld>
     <p:spTree>
@@ -4009,7 +4356,7 @@
 </p:sld>
 </file>
 
-<file path=ppt/slides/slide12.xml><?xml version="1.0" encoding="utf-8"?>
+<file path=ppt/slides/slide15.xml><?xml version="1.0" encoding="utf-8"?>
 <p:sld xmlns:a="http://schemas.openxmlformats.org/drawingml/2006/main" xmlns:r="http://schemas.openxmlformats.org/officeDocument/2006/relationships" xmlns:p="http://schemas.openxmlformats.org/presentationml/2006/main">
   <p:cSld>
     <p:spTree>
@@ -4124,7 +4471,7 @@
 </p:sld>
 </file>
 
-<file path=ppt/slides/slide13.xml><?xml version="1.0" encoding="utf-8"?>
+<file path=ppt/slides/slide16.xml><?xml version="1.0" encoding="utf-8"?>
 <p:sld xmlns:a="http://schemas.openxmlformats.org/drawingml/2006/main" xmlns:r="http://schemas.openxmlformats.org/officeDocument/2006/relationships" xmlns:p="http://schemas.openxmlformats.org/presentationml/2006/main">
   <p:cSld>
     <p:spTree>
@@ -4242,7 +4589,7 @@
 </p:sld>
 </file>
 
-<file path=ppt/slides/slide14.xml><?xml version="1.0" encoding="utf-8"?>
+<file path=ppt/slides/slide17.xml><?xml version="1.0" encoding="utf-8"?>
 <p:sld xmlns:a="http://schemas.openxmlformats.org/drawingml/2006/main" xmlns:r="http://schemas.openxmlformats.org/officeDocument/2006/relationships" xmlns:p="http://schemas.openxmlformats.org/presentationml/2006/main">
   <p:cSld>
     <p:spTree>
@@ -4385,7 +4732,7 @@
 </p:sld>
 </file>
 
-<file path=ppt/slides/slide15.xml><?xml version="1.0" encoding="utf-8"?>
+<file path=ppt/slides/slide18.xml><?xml version="1.0" encoding="utf-8"?>
 <p:sld xmlns:a="http://schemas.openxmlformats.org/drawingml/2006/main" xmlns:r="http://schemas.openxmlformats.org/officeDocument/2006/relationships" xmlns:p="http://schemas.openxmlformats.org/presentationml/2006/main">
   <p:cSld>
     <p:spTree>
@@ -4496,7 +4843,7 @@
 </p:sld>
 </file>
 
-<file path=ppt/slides/slide16.xml><?xml version="1.0" encoding="utf-8"?>
+<file path=ppt/slides/slide19.xml><?xml version="1.0" encoding="utf-8"?>
 <p:sld xmlns:a="http://schemas.openxmlformats.org/drawingml/2006/main" xmlns:r="http://schemas.openxmlformats.org/officeDocument/2006/relationships" xmlns:p="http://schemas.openxmlformats.org/presentationml/2006/main">
   <p:cSld>
     <p:spTree>
@@ -4956,7 +5303,116 @@
 </p:sld>
 </file>
 
-<file path=ppt/slides/slide17.xml><?xml version="1.0" encoding="utf-8"?>
+<file path=ppt/slides/slide2.xml><?xml version="1.0" encoding="utf-8"?>
+<p:sld xmlns:a="http://schemas.openxmlformats.org/drawingml/2006/main" xmlns:r="http://schemas.openxmlformats.org/officeDocument/2006/relationships" xmlns:p="http://schemas.openxmlformats.org/presentationml/2006/main">
+  <p:cSld>
+    <p:spTree>
+      <p:nvGrpSpPr>
+        <p:cNvPr id="1" name=""/>
+        <p:cNvGrpSpPr/>
+        <p:nvPr/>
+      </p:nvGrpSpPr>
+      <p:grpSpPr>
+        <a:xfrm>
+          <a:off x="0" y="0"/>
+          <a:ext cx="0" cy="0"/>
+          <a:chOff x="0" y="0"/>
+          <a:chExt cx="0" cy="0"/>
+        </a:xfrm>
+      </p:grpSpPr>
+      <p:sp>
+        <p:nvSpPr>
+          <p:cNvPr id="2" name="Titre 1"/>
+          <p:cNvSpPr>
+            <a:spLocks noGrp="1"/>
+          </p:cNvSpPr>
+          <p:nvPr>
+            <p:ph type="title"/>
+          </p:nvPr>
+        </p:nvSpPr>
+        <p:spPr/>
+        <p:txBody>
+          <a:bodyPr/>
+          <a:lstStyle/>
+          <a:p>
+            <a:endParaRPr lang="fr-FR"/>
+          </a:p>
+        </p:txBody>
+      </p:sp>
+      <p:sp>
+        <p:nvSpPr>
+          <p:cNvPr id="3" name="Espace réservé du contenu 2"/>
+          <p:cNvSpPr>
+            <a:spLocks noGrp="1"/>
+          </p:cNvSpPr>
+          <p:nvPr>
+            <p:ph idx="1"/>
+          </p:nvPr>
+        </p:nvSpPr>
+        <p:spPr/>
+        <p:txBody>
+          <a:bodyPr/>
+          <a:lstStyle/>
+          <a:p>
+            <a:endParaRPr lang="fr-FR"/>
+          </a:p>
+        </p:txBody>
+      </p:sp>
+      <p:pic>
+        <p:nvPicPr>
+          <p:cNvPr id="1026" name="Picture 2" descr="Image associÃ©e"/>
+          <p:cNvPicPr>
+            <a:picLocks noChangeAspect="1" noChangeArrowheads="1"/>
+          </p:cNvPicPr>
+          <p:nvPr/>
+        </p:nvPicPr>
+        <p:blipFill>
+          <a:blip r:embed="rId2">
+            <a:extLst>
+              <a:ext uri="{28A0092B-C50C-407E-A947-70E740481C1C}">
+                <a14:useLocalDpi xmlns:a14="http://schemas.microsoft.com/office/drawing/2010/main" val="0"/>
+              </a:ext>
+            </a:extLst>
+          </a:blip>
+          <a:srcRect/>
+          <a:stretch>
+            <a:fillRect/>
+          </a:stretch>
+        </p:blipFill>
+        <p:spPr bwMode="auto">
+          <a:xfrm>
+            <a:off x="954616" y="0"/>
+            <a:ext cx="7215842" cy="6785993"/>
+          </a:xfrm>
+          <a:prstGeom prst="rect">
+            <a:avLst/>
+          </a:prstGeom>
+          <a:noFill/>
+          <a:extLst>
+            <a:ext uri="{909E8E84-426E-40DD-AFC4-6F175D3DCCD1}">
+              <a14:hiddenFill xmlns:a14="http://schemas.microsoft.com/office/drawing/2010/main">
+                <a:solidFill>
+                  <a:srgbClr val="FFFFFF"/>
+                </a:solidFill>
+              </a14:hiddenFill>
+            </a:ext>
+          </a:extLst>
+        </p:spPr>
+      </p:pic>
+    </p:spTree>
+    <p:extLst>
+      <p:ext uri="{BB962C8B-B14F-4D97-AF65-F5344CB8AC3E}">
+        <p14:creationId xmlns:p14="http://schemas.microsoft.com/office/powerpoint/2010/main" val="3559559726"/>
+      </p:ext>
+    </p:extLst>
+  </p:cSld>
+  <p:clrMapOvr>
+    <a:masterClrMapping/>
+  </p:clrMapOvr>
+</p:sld>
+</file>
+
+<file path=ppt/slides/slide20.xml><?xml version="1.0" encoding="utf-8"?>
 <p:sld xmlns:a="http://schemas.openxmlformats.org/drawingml/2006/main" xmlns:r="http://schemas.openxmlformats.org/officeDocument/2006/relationships" xmlns:p="http://schemas.openxmlformats.org/presentationml/2006/main">
   <p:cSld>
     <p:spTree>
@@ -5116,7 +5572,7 @@
 </p:sld>
 </file>
 
-<file path=ppt/slides/slide18.xml><?xml version="1.0" encoding="utf-8"?>
+<file path=ppt/slides/slide21.xml><?xml version="1.0" encoding="utf-8"?>
 <p:sld xmlns:a="http://schemas.openxmlformats.org/drawingml/2006/main" xmlns:r="http://schemas.openxmlformats.org/officeDocument/2006/relationships" xmlns:p="http://schemas.openxmlformats.org/presentationml/2006/main">
   <p:cSld>
     <p:spTree>
@@ -5390,7 +5846,7 @@
 </p:sld>
 </file>
 
-<file path=ppt/slides/slide19.xml><?xml version="1.0" encoding="utf-8"?>
+<file path=ppt/slides/slide22.xml><?xml version="1.0" encoding="utf-8"?>
 <p:sld xmlns:a="http://schemas.openxmlformats.org/drawingml/2006/main" xmlns:r="http://schemas.openxmlformats.org/officeDocument/2006/relationships" xmlns:p="http://schemas.openxmlformats.org/presentationml/2006/main">
   <p:cSld>
     <p:spTree>
@@ -5502,116 +5958,7 @@
 </p:sld>
 </file>
 
-<file path=ppt/slides/slide2.xml><?xml version="1.0" encoding="utf-8"?>
-<p:sld xmlns:a="http://schemas.openxmlformats.org/drawingml/2006/main" xmlns:r="http://schemas.openxmlformats.org/officeDocument/2006/relationships" xmlns:p="http://schemas.openxmlformats.org/presentationml/2006/main">
-  <p:cSld>
-    <p:spTree>
-      <p:nvGrpSpPr>
-        <p:cNvPr id="1" name=""/>
-        <p:cNvGrpSpPr/>
-        <p:nvPr/>
-      </p:nvGrpSpPr>
-      <p:grpSpPr>
-        <a:xfrm>
-          <a:off x="0" y="0"/>
-          <a:ext cx="0" cy="0"/>
-          <a:chOff x="0" y="0"/>
-          <a:chExt cx="0" cy="0"/>
-        </a:xfrm>
-      </p:grpSpPr>
-      <p:sp>
-        <p:nvSpPr>
-          <p:cNvPr id="2" name="Titre 1"/>
-          <p:cNvSpPr>
-            <a:spLocks noGrp="1"/>
-          </p:cNvSpPr>
-          <p:nvPr>
-            <p:ph type="title"/>
-          </p:nvPr>
-        </p:nvSpPr>
-        <p:spPr/>
-        <p:txBody>
-          <a:bodyPr/>
-          <a:lstStyle/>
-          <a:p>
-            <a:endParaRPr lang="fr-FR"/>
-          </a:p>
-        </p:txBody>
-      </p:sp>
-      <p:sp>
-        <p:nvSpPr>
-          <p:cNvPr id="3" name="Espace réservé du contenu 2"/>
-          <p:cNvSpPr>
-            <a:spLocks noGrp="1"/>
-          </p:cNvSpPr>
-          <p:nvPr>
-            <p:ph idx="1"/>
-          </p:nvPr>
-        </p:nvSpPr>
-        <p:spPr/>
-        <p:txBody>
-          <a:bodyPr/>
-          <a:lstStyle/>
-          <a:p>
-            <a:endParaRPr lang="fr-FR"/>
-          </a:p>
-        </p:txBody>
-      </p:sp>
-      <p:pic>
-        <p:nvPicPr>
-          <p:cNvPr id="1026" name="Picture 2" descr="Image associÃ©e"/>
-          <p:cNvPicPr>
-            <a:picLocks noChangeAspect="1" noChangeArrowheads="1"/>
-          </p:cNvPicPr>
-          <p:nvPr/>
-        </p:nvPicPr>
-        <p:blipFill>
-          <a:blip r:embed="rId2">
-            <a:extLst>
-              <a:ext uri="{28A0092B-C50C-407E-A947-70E740481C1C}">
-                <a14:useLocalDpi xmlns:a14="http://schemas.microsoft.com/office/drawing/2010/main" val="0"/>
-              </a:ext>
-            </a:extLst>
-          </a:blip>
-          <a:srcRect/>
-          <a:stretch>
-            <a:fillRect/>
-          </a:stretch>
-        </p:blipFill>
-        <p:spPr bwMode="auto">
-          <a:xfrm>
-            <a:off x="954616" y="0"/>
-            <a:ext cx="7215842" cy="6785993"/>
-          </a:xfrm>
-          <a:prstGeom prst="rect">
-            <a:avLst/>
-          </a:prstGeom>
-          <a:noFill/>
-          <a:extLst>
-            <a:ext uri="{909E8E84-426E-40DD-AFC4-6F175D3DCCD1}">
-              <a14:hiddenFill xmlns:a14="http://schemas.microsoft.com/office/drawing/2010/main">
-                <a:solidFill>
-                  <a:srgbClr val="FFFFFF"/>
-                </a:solidFill>
-              </a14:hiddenFill>
-            </a:ext>
-          </a:extLst>
-        </p:spPr>
-      </p:pic>
-    </p:spTree>
-    <p:extLst>
-      <p:ext uri="{BB962C8B-B14F-4D97-AF65-F5344CB8AC3E}">
-        <p14:creationId xmlns:p14="http://schemas.microsoft.com/office/powerpoint/2010/main" val="3559559726"/>
-      </p:ext>
-    </p:extLst>
-  </p:cSld>
-  <p:clrMapOvr>
-    <a:masterClrMapping/>
-  </p:clrMapOvr>
-</p:sld>
-</file>
-
-<file path=ppt/slides/slide20.xml><?xml version="1.0" encoding="utf-8"?>
+<file path=ppt/slides/slide23.xml><?xml version="1.0" encoding="utf-8"?>
 <p:sld xmlns:a="http://schemas.openxmlformats.org/drawingml/2006/main" xmlns:r="http://schemas.openxmlformats.org/officeDocument/2006/relationships" xmlns:p="http://schemas.openxmlformats.org/presentationml/2006/main">
   <p:cSld>
     <p:spTree>
@@ -5944,7 +6291,7 @@
 </p:sld>
 </file>
 
-<file path=ppt/slides/slide21.xml><?xml version="1.0" encoding="utf-8"?>
+<file path=ppt/slides/slide24.xml><?xml version="1.0" encoding="utf-8"?>
 <p:sld xmlns:a="http://schemas.openxmlformats.org/drawingml/2006/main" xmlns:r="http://schemas.openxmlformats.org/officeDocument/2006/relationships" xmlns:p="http://schemas.openxmlformats.org/presentationml/2006/main">
   <p:cSld>
     <p:spTree>
@@ -6204,7 +6551,7 @@
 </p:sld>
 </file>
 
-<file path=ppt/slides/slide22.xml><?xml version="1.0" encoding="utf-8"?>
+<file path=ppt/slides/slide25.xml><?xml version="1.0" encoding="utf-8"?>
 <p:sld xmlns:a="http://schemas.openxmlformats.org/drawingml/2006/main" xmlns:r="http://schemas.openxmlformats.org/officeDocument/2006/relationships" xmlns:p="http://schemas.openxmlformats.org/presentationml/2006/main">
   <p:cSld>
     <p:spTree>
@@ -6358,7 +6705,7 @@
 </p:sld>
 </file>
 
-<file path=ppt/slides/slide23.xml><?xml version="1.0" encoding="utf-8"?>
+<file path=ppt/slides/slide26.xml><?xml version="1.0" encoding="utf-8"?>
 <p:sld xmlns:a="http://schemas.openxmlformats.org/drawingml/2006/main" xmlns:r="http://schemas.openxmlformats.org/officeDocument/2006/relationships" xmlns:p="http://schemas.openxmlformats.org/presentationml/2006/main">
   <p:cSld>
     <p:spTree>
@@ -6500,7 +6847,7 @@
 </p:sld>
 </file>
 
-<file path=ppt/slides/slide24.xml><?xml version="1.0" encoding="utf-8"?>
+<file path=ppt/slides/slide27.xml><?xml version="1.0" encoding="utf-8"?>
 <p:sld xmlns:a="http://schemas.openxmlformats.org/drawingml/2006/main" xmlns:r="http://schemas.openxmlformats.org/officeDocument/2006/relationships" xmlns:p="http://schemas.openxmlformats.org/presentationml/2006/main">
   <p:cSld>
     <p:spTree>
@@ -6626,7 +6973,7 @@
 </p:sld>
 </file>
 
-<file path=ppt/slides/slide25.xml><?xml version="1.0" encoding="utf-8"?>
+<file path=ppt/slides/slide28.xml><?xml version="1.0" encoding="utf-8"?>
 <p:sld xmlns:a="http://schemas.openxmlformats.org/drawingml/2006/main" xmlns:r="http://schemas.openxmlformats.org/officeDocument/2006/relationships" xmlns:p="http://schemas.openxmlformats.org/presentationml/2006/main">
   <p:cSld>
     <p:spTree>
@@ -6702,7 +7049,7 @@
 </p:sld>
 </file>
 
-<file path=ppt/slides/slide26.xml><?xml version="1.0" encoding="utf-8"?>
+<file path=ppt/slides/slide29.xml><?xml version="1.0" encoding="utf-8"?>
 <p:sld xmlns:a="http://schemas.openxmlformats.org/drawingml/2006/main" xmlns:r="http://schemas.openxmlformats.org/officeDocument/2006/relationships" xmlns:p="http://schemas.openxmlformats.org/presentationml/2006/main">
   <p:cSld>
     <p:spTree>
@@ -6793,7 +7140,7 @@
 </p:sld>
 </file>
 
-<file path=ppt/slides/slide27.xml><?xml version="1.0" encoding="utf-8"?>
+<file path=ppt/slides/slide3.xml><?xml version="1.0" encoding="utf-8"?>
 <p:sld xmlns:a="http://schemas.openxmlformats.org/drawingml/2006/main" xmlns:r="http://schemas.openxmlformats.org/officeDocument/2006/relationships" xmlns:p="http://schemas.openxmlformats.org/presentationml/2006/main">
   <p:cSld>
     <p:spTree>
@@ -6826,6 +7173,94 @@
           <a:lstStyle/>
           <a:p>
             <a:r>
+              <a:rPr lang="fr-FR" dirty="0" err="1"/>
+              <a:t>Wikipedia</a:t>
+            </a:r>
+            <a:endParaRPr lang="fr-FR" dirty="0"/>
+          </a:p>
+        </p:txBody>
+      </p:sp>
+      <p:sp>
+        <p:nvSpPr>
+          <p:cNvPr id="3" name="Espace réservé du contenu 2"/>
+          <p:cNvSpPr>
+            <a:spLocks noGrp="1"/>
+          </p:cNvSpPr>
+          <p:nvPr>
+            <p:ph idx="1"/>
+          </p:nvPr>
+        </p:nvSpPr>
+        <p:spPr/>
+        <p:txBody>
+          <a:bodyPr/>
+          <a:lstStyle/>
+          <a:p>
+            <a:r>
+              <a:rPr lang="fr-FR" dirty="0"/>
+              <a:t>La science des données est l'extraction de connaissance d'ensembles de données</a:t>
+            </a:r>
+          </a:p>
+          <a:p>
+            <a:r>
+              <a:rPr lang="fr-FR" dirty="0"/>
+              <a:t>Elle emploie des techniques et des théories tirées de plusieurs autres domaines plus larges :</a:t>
+            </a:r>
+          </a:p>
+          <a:p>
+            <a:pPr lvl="1"/>
+            <a:r>
+              <a:rPr lang="fr-FR" dirty="0"/>
+              <a:t>des mathématiques, la statistique principalement, la théorie de l'information et la technologie de l'information, notamment le traitement de signal, des modèles probabilistes, l'apprentissage automatique, l'apprentissage statistique, la programmation informatique, l'ingénierie de données, la reconnaissance de formes et l'apprentissage, la visualisation, l'analytique prophétique, la modélisation d'incertitude, le stockage de données, …</a:t>
+            </a:r>
+          </a:p>
+        </p:txBody>
+      </p:sp>
+    </p:spTree>
+    <p:extLst>
+      <p:ext uri="{BB962C8B-B14F-4D97-AF65-F5344CB8AC3E}">
+        <p14:creationId xmlns:p14="http://schemas.microsoft.com/office/powerpoint/2010/main" val="1773936858"/>
+      </p:ext>
+    </p:extLst>
+  </p:cSld>
+  <p:clrMapOvr>
+    <a:masterClrMapping/>
+  </p:clrMapOvr>
+</p:sld>
+</file>
+
+<file path=ppt/slides/slide30.xml><?xml version="1.0" encoding="utf-8"?>
+<p:sld xmlns:a="http://schemas.openxmlformats.org/drawingml/2006/main" xmlns:r="http://schemas.openxmlformats.org/officeDocument/2006/relationships" xmlns:p="http://schemas.openxmlformats.org/presentationml/2006/main">
+  <p:cSld>
+    <p:spTree>
+      <p:nvGrpSpPr>
+        <p:cNvPr id="1" name=""/>
+        <p:cNvGrpSpPr/>
+        <p:nvPr/>
+      </p:nvGrpSpPr>
+      <p:grpSpPr>
+        <a:xfrm>
+          <a:off x="0" y="0"/>
+          <a:ext cx="0" cy="0"/>
+          <a:chOff x="0" y="0"/>
+          <a:chExt cx="0" cy="0"/>
+        </a:xfrm>
+      </p:grpSpPr>
+      <p:sp>
+        <p:nvSpPr>
+          <p:cNvPr id="2" name="Titre 1"/>
+          <p:cNvSpPr>
+            <a:spLocks noGrp="1"/>
+          </p:cNvSpPr>
+          <p:nvPr>
+            <p:ph type="title"/>
+          </p:nvPr>
+        </p:nvSpPr>
+        <p:spPr/>
+        <p:txBody>
+          <a:bodyPr/>
+          <a:lstStyle/>
+          <a:p>
+            <a:r>
               <a:rPr lang="fr-FR" dirty="0"/>
               <a:t>Théorème centrale limite</a:t>
             </a:r>
@@ -6896,7 +7331,7 @@
 </p:sld>
 </file>
 
-<file path=ppt/slides/slide28.xml><?xml version="1.0" encoding="utf-8"?>
+<file path=ppt/slides/slide31.xml><?xml version="1.0" encoding="utf-8"?>
 <p:sld xmlns:a="http://schemas.openxmlformats.org/drawingml/2006/main" xmlns:r="http://schemas.openxmlformats.org/officeDocument/2006/relationships" xmlns:p="http://schemas.openxmlformats.org/presentationml/2006/main">
   <p:cSld>
     <p:spTree>
@@ -7061,7 +7496,7 @@
 </p:sld>
 </file>
 
-<file path=ppt/slides/slide29.xml><?xml version="1.0" encoding="utf-8"?>
+<file path=ppt/slides/slide32.xml><?xml version="1.0" encoding="utf-8"?>
 <p:sld xmlns:a="http://schemas.openxmlformats.org/drawingml/2006/main" xmlns:r="http://schemas.openxmlformats.org/officeDocument/2006/relationships" xmlns:p="http://schemas.openxmlformats.org/presentationml/2006/main">
   <p:cSld>
     <p:spTree>
@@ -7238,7 +7673,7 @@
 </p:sld>
 </file>
 
-<file path=ppt/slides/slide3.xml><?xml version="1.0" encoding="utf-8"?>
+<file path=ppt/slides/slide33.xml><?xml version="1.0" encoding="utf-8"?>
 <p:sld xmlns:a="http://schemas.openxmlformats.org/drawingml/2006/main" xmlns:r="http://schemas.openxmlformats.org/officeDocument/2006/relationships" xmlns:p="http://schemas.openxmlformats.org/presentationml/2006/main">
   <p:cSld>
     <p:spTree>
@@ -7257,7 +7692,13 @@
       </p:grpSpPr>
       <p:sp>
         <p:nvSpPr>
-          <p:cNvPr id="2" name="Titre 1"/>
+          <p:cNvPr id="2" name="Titre 1">
+            <a:extLst>
+              <a:ext uri="{FF2B5EF4-FFF2-40B4-BE49-F238E27FC236}">
+                <a16:creationId xmlns:a16="http://schemas.microsoft.com/office/drawing/2014/main" id="{27C621C4-271F-BCBF-47DB-1D4B9D67B68E}"/>
+              </a:ext>
+            </a:extLst>
+          </p:cNvPr>
           <p:cNvSpPr>
             <a:spLocks noGrp="1"/>
           </p:cNvSpPr>
@@ -7271,16 +7712,21 @@
           <a:lstStyle/>
           <a:p>
             <a:r>
-              <a:rPr lang="fr-FR" dirty="0" err="1"/>
-              <a:t>Wikipedia</a:t>
-            </a:r>
-            <a:endParaRPr lang="fr-FR" dirty="0"/>
-          </a:p>
-        </p:txBody>
-      </p:sp>
-      <p:sp>
-        <p:nvSpPr>
-          <p:cNvPr id="3" name="Espace réservé du contenu 2"/>
+              <a:rPr lang="fr-FR" dirty="0"/>
+              <a:t>Dataviz</a:t>
+            </a:r>
+          </a:p>
+        </p:txBody>
+      </p:sp>
+      <p:sp>
+        <p:nvSpPr>
+          <p:cNvPr id="3" name="Espace réservé du contenu 2">
+            <a:extLst>
+              <a:ext uri="{FF2B5EF4-FFF2-40B4-BE49-F238E27FC236}">
+                <a16:creationId xmlns:a16="http://schemas.microsoft.com/office/drawing/2014/main" id="{71C14DB0-BF73-B644-AD43-D8E0B922D17B}"/>
+              </a:ext>
+            </a:extLst>
+          </p:cNvPr>
           <p:cNvSpPr>
             <a:spLocks noGrp="1"/>
           </p:cNvSpPr>
@@ -7295,28 +7741,80 @@
           <a:p>
             <a:r>
               <a:rPr lang="fr-FR" dirty="0"/>
-              <a:t>La science des données est l'extraction de connaissance d'ensembles de données</a:t>
-            </a:r>
-          </a:p>
-          <a:p>
-            <a:r>
-              <a:rPr lang="fr-FR" dirty="0"/>
-              <a:t>Elle emploie des techniques et des théories tirées de plusieurs autres domaines plus larges :</a:t>
+              <a:t>Représenter la donnée graphiquement</a:t>
+            </a:r>
+          </a:p>
+          <a:p>
+            <a:r>
+              <a:rPr lang="fr-FR" dirty="0"/>
+              <a:t>Outils commerciaux</a:t>
             </a:r>
           </a:p>
           <a:p>
             <a:pPr lvl="1"/>
             <a:r>
               <a:rPr lang="fr-FR" dirty="0"/>
-              <a:t>des mathématiques, la statistique principalement, la théorie de l'information et la technologie de l'information, notamment le traitement de signal, des modèles probabilistes, l'apprentissage automatique, l'apprentissage statistique, la programmation informatique, l'ingénierie de données, la reconnaissance de formes et l'apprentissage, la visualisation, l'analytique prophétique, la modélisation d'incertitude, le stockage de données, …</a:t>
-            </a:r>
+              <a:t>Excel</a:t>
+            </a:r>
+          </a:p>
+          <a:p>
+            <a:pPr lvl="1"/>
+            <a:r>
+              <a:rPr lang="fr-FR" dirty="0"/>
+              <a:t>Power BI</a:t>
+            </a:r>
+          </a:p>
+          <a:p>
+            <a:pPr lvl="1"/>
+            <a:r>
+              <a:rPr lang="fr-FR" dirty="0"/>
+              <a:t>Tableau</a:t>
+            </a:r>
+          </a:p>
+          <a:p>
+            <a:pPr lvl="1"/>
+            <a:r>
+              <a:rPr lang="fr-FR" dirty="0"/>
+              <a:t>Qlik</a:t>
+            </a:r>
+          </a:p>
+          <a:p>
+            <a:r>
+              <a:rPr lang="fr-FR" dirty="0"/>
+              <a:t>Outils libres de programmation</a:t>
+            </a:r>
+          </a:p>
+          <a:p>
+            <a:pPr lvl="1"/>
+            <a:r>
+              <a:rPr lang="fr-FR" dirty="0" err="1"/>
+              <a:t>Matplotlib</a:t>
+            </a:r>
+            <a:endParaRPr lang="fr-FR" dirty="0"/>
+          </a:p>
+          <a:p>
+            <a:pPr lvl="1"/>
+            <a:r>
+              <a:rPr lang="fr-FR" dirty="0" err="1"/>
+              <a:t>Seaborn</a:t>
+            </a:r>
+            <a:endParaRPr lang="fr-FR" dirty="0"/>
+          </a:p>
+          <a:p>
+            <a:r>
+              <a:rPr lang="fr-FR" dirty="0"/>
+              <a:t>Démonstration</a:t>
+            </a:r>
+          </a:p>
+          <a:p>
+            <a:endParaRPr lang="fr-FR" dirty="0"/>
           </a:p>
         </p:txBody>
       </p:sp>
     </p:spTree>
     <p:extLst>
       <p:ext uri="{BB962C8B-B14F-4D97-AF65-F5344CB8AC3E}">
-        <p14:creationId xmlns:p14="http://schemas.microsoft.com/office/powerpoint/2010/main" val="1773936858"/>
+        <p14:creationId xmlns:p14="http://schemas.microsoft.com/office/powerpoint/2010/main" val="3596355371"/>
       </p:ext>
     </p:extLst>
   </p:cSld>
@@ -7326,7 +7824,7 @@
 </p:sld>
 </file>
 
-<file path=ppt/slides/slide30.xml><?xml version="1.0" encoding="utf-8"?>
+<file path=ppt/slides/slide34.xml><?xml version="1.0" encoding="utf-8"?>
 <p:sld xmlns:a="http://schemas.openxmlformats.org/drawingml/2006/main" xmlns:r="http://schemas.openxmlformats.org/officeDocument/2006/relationships" xmlns:p="http://schemas.openxmlformats.org/presentationml/2006/main">
   <p:cSld>
     <p:spTree>
@@ -7345,13 +7843,7 @@
       </p:grpSpPr>
       <p:sp>
         <p:nvSpPr>
-          <p:cNvPr id="2" name="Titre 1">
-            <a:extLst>
-              <a:ext uri="{FF2B5EF4-FFF2-40B4-BE49-F238E27FC236}">
-                <a16:creationId xmlns:a16="http://schemas.microsoft.com/office/drawing/2014/main" id="{27C621C4-271F-BCBF-47DB-1D4B9D67B68E}"/>
-              </a:ext>
-            </a:extLst>
-          </p:cNvPr>
+          <p:cNvPr id="2" name="Title 1"/>
           <p:cNvSpPr>
             <a:spLocks noGrp="1"/>
           </p:cNvSpPr>
@@ -7364,22 +7856,23 @@
           <a:bodyPr/>
           <a:lstStyle/>
           <a:p>
-            <a:r>
-              <a:rPr lang="fr-FR" dirty="0"/>
-              <a:t>Dataviz</a:t>
-            </a:r>
-          </a:p>
-        </p:txBody>
-      </p:sp>
-      <p:sp>
-        <p:nvSpPr>
-          <p:cNvPr id="3" name="Espace réservé du contenu 2">
-            <a:extLst>
-              <a:ext uri="{FF2B5EF4-FFF2-40B4-BE49-F238E27FC236}">
-                <a16:creationId xmlns:a16="http://schemas.microsoft.com/office/drawing/2014/main" id="{71C14DB0-BF73-B644-AD43-D8E0B922D17B}"/>
-              </a:ext>
-            </a:extLst>
-          </p:cNvPr>
+            <a:pPr>
+              <a:defRPr sz="3400" b="1">
+                <a:solidFill>
+                  <a:srgbClr val="212529"/>
+                </a:solidFill>
+                <a:latin typeface="Calibri"/>
+              </a:defRPr>
+            </a:pPr>
+            <a:r>
+              <a:t>Qualité des données : enjeux et indicateurs</a:t>
+            </a:r>
+          </a:p>
+        </p:txBody>
+      </p:sp>
+      <p:sp>
+        <p:nvSpPr>
+          <p:cNvPr id="3" name="Content Placeholder 2"/>
           <p:cNvSpPr>
             <a:spLocks noGrp="1"/>
           </p:cNvSpPr>
@@ -7392,77 +7885,1108 @@
           <a:bodyPr/>
           <a:lstStyle/>
           <a:p>
-            <a:r>
-              <a:rPr lang="fr-FR" dirty="0"/>
-              <a:t>Représenter la donnée graphiquement</a:t>
-            </a:r>
-          </a:p>
-          <a:p>
-            <a:r>
-              <a:rPr lang="fr-FR" dirty="0"/>
-              <a:t>Outils commerciaux</a:t>
-            </a:r>
-          </a:p>
-          <a:p>
-            <a:pPr lvl="1"/>
-            <a:r>
-              <a:rPr lang="fr-FR" dirty="0"/>
-              <a:t>Excel</a:t>
-            </a:r>
-          </a:p>
-          <a:p>
-            <a:pPr lvl="1"/>
-            <a:r>
-              <a:rPr lang="fr-FR" dirty="0"/>
-              <a:t>Power BI</a:t>
-            </a:r>
-          </a:p>
-          <a:p>
-            <a:pPr lvl="1"/>
-            <a:r>
-              <a:rPr lang="fr-FR" dirty="0"/>
-              <a:t>…</a:t>
-            </a:r>
-          </a:p>
-          <a:p>
-            <a:r>
-              <a:rPr lang="fr-FR" dirty="0"/>
-              <a:t>Outils libres de programmation</a:t>
-            </a:r>
-          </a:p>
-          <a:p>
-            <a:pPr lvl="1"/>
-            <a:r>
-              <a:rPr lang="fr-FR" dirty="0" err="1"/>
-              <a:t>Matplotlib</a:t>
-            </a:r>
-            <a:endParaRPr lang="fr-FR" dirty="0"/>
-          </a:p>
-          <a:p>
-            <a:pPr lvl="1"/>
-            <a:r>
-              <a:rPr lang="fr-FR" dirty="0" err="1"/>
-              <a:t>Seaborn</a:t>
-            </a:r>
-            <a:endParaRPr lang="fr-FR" dirty="0"/>
-          </a:p>
-          <a:p>
-            <a:r>
-              <a:rPr lang="fr-FR"/>
-              <a:t>Démonstration</a:t>
-            </a:r>
-          </a:p>
-          <a:p>
-            <a:endParaRPr lang="fr-FR" dirty="0"/>
+            <a:endParaRPr/>
+          </a:p>
+          <a:p>
+            <a:pPr>
+              <a:defRPr sz="1800">
+                <a:solidFill>
+                  <a:srgbClr val="373B3F"/>
+                </a:solidFill>
+                <a:latin typeface="Calibri"/>
+              </a:defRPr>
+            </a:pPr>
+            <a:r>
+              <a:t>La qualité se mesure par l’exactitude, la complétude, la cohérence et la fraîcheur. Par exemple, un tableau de bord hebdomadaire de qualité met en évidence des colonnes critiques, déclenche des corrections et sécurise la fiabilité des rapports exécutifs publiés.</a:t>
+            </a:r>
+          </a:p>
+        </p:txBody>
+      </p:sp>
+      <p:pic>
+        <p:nvPicPr>
+          <p:cNvPr id="4" name="Picture 3" descr="chart_radar_qualite.png"/>
+          <p:cNvPicPr>
+            <a:picLocks noChangeAspect="1"/>
+          </p:cNvPicPr>
+          <p:nvPr/>
+        </p:nvPicPr>
+        <p:blipFill>
+          <a:blip r:embed="rId2"/>
+          <a:stretch>
+            <a:fillRect/>
+          </a:stretch>
+        </p:blipFill>
+        <p:spPr>
+          <a:xfrm>
+            <a:off x="5486400" y="1828800"/>
+            <a:ext cx="3617280" cy="2926080"/>
+          </a:xfrm>
+          <a:prstGeom prst="rect">
+            <a:avLst/>
+          </a:prstGeom>
+        </p:spPr>
+      </p:pic>
+      <p:sp>
+        <p:nvSpPr>
+          <p:cNvPr id="5" name="TextBox 4"/>
+          <p:cNvSpPr txBox="1"/>
+          <p:nvPr/>
+        </p:nvSpPr>
+        <p:spPr>
+          <a:xfrm>
+            <a:off x="9326880" y="6217920"/>
+            <a:ext cx="1097280" cy="274320"/>
+          </a:xfrm>
+          <a:prstGeom prst="rect">
+            <a:avLst/>
+          </a:prstGeom>
+          <a:noFill/>
+        </p:spPr>
+        <p:txBody>
+          <a:bodyPr wrap="none">
+            <a:spAutoFit/>
+          </a:bodyPr>
+          <a:lstStyle/>
+          <a:p>
+            <a:pPr algn="r">
+              <a:defRPr sz="1100">
+                <a:solidFill>
+                  <a:srgbClr val="787878"/>
+                </a:solidFill>
+              </a:defRPr>
+            </a:pPr>
+            <a:r>
+              <a:t>15/30</a:t>
+            </a:r>
+          </a:p>
+        </p:txBody>
+      </p:sp>
+      <p:sp>
+        <p:nvSpPr>
+          <p:cNvPr id="6" name="TextBox 5"/>
+          <p:cNvSpPr txBox="1"/>
+          <p:nvPr/>
+        </p:nvSpPr>
+        <p:spPr>
+          <a:xfrm>
+            <a:off x="5486400" y="4846320"/>
+            <a:ext cx="3657600" cy="640080"/>
+          </a:xfrm>
+          <a:prstGeom prst="rect">
+            <a:avLst/>
+          </a:prstGeom>
+          <a:noFill/>
+        </p:spPr>
+        <p:txBody>
+          <a:bodyPr wrap="none">
+            <a:spAutoFit/>
+          </a:bodyPr>
+          <a:lstStyle/>
+          <a:p>
+            <a:pPr>
+              <a:defRPr sz="1000">
+                <a:solidFill>
+                  <a:srgbClr val="646464"/>
+                </a:solidFill>
+              </a:defRPr>
+            </a:pPr>
+            <a:r>
+              <a:t>Illustration générée à partir de données simulées à des fins pédagogiques.</a:t>
+            </a:r>
           </a:p>
         </p:txBody>
       </p:sp>
     </p:spTree>
-    <p:extLst>
-      <p:ext uri="{BB962C8B-B14F-4D97-AF65-F5344CB8AC3E}">
-        <p14:creationId xmlns:p14="http://schemas.microsoft.com/office/powerpoint/2010/main" val="3596355371"/>
-      </p:ext>
-    </p:extLst>
+  </p:cSld>
+  <p:clrMapOvr>
+    <a:masterClrMapping/>
+  </p:clrMapOvr>
+</p:sld>
+</file>
+
+<file path=ppt/slides/slide35.xml><?xml version="1.0" encoding="utf-8"?>
+<p:sld xmlns:a="http://schemas.openxmlformats.org/drawingml/2006/main" xmlns:r="http://schemas.openxmlformats.org/officeDocument/2006/relationships" xmlns:p="http://schemas.openxmlformats.org/presentationml/2006/main">
+  <p:cSld>
+    <p:spTree>
+      <p:nvGrpSpPr>
+        <p:cNvPr id="1" name=""/>
+        <p:cNvGrpSpPr/>
+        <p:nvPr/>
+      </p:nvGrpSpPr>
+      <p:grpSpPr>
+        <a:xfrm>
+          <a:off x="0" y="0"/>
+          <a:ext cx="0" cy="0"/>
+          <a:chOff x="0" y="0"/>
+          <a:chExt cx="0" cy="0"/>
+        </a:xfrm>
+      </p:grpSpPr>
+      <p:sp>
+        <p:nvSpPr>
+          <p:cNvPr id="2" name="Title 1"/>
+          <p:cNvSpPr>
+            <a:spLocks noGrp="1"/>
+          </p:cNvSpPr>
+          <p:nvPr>
+            <p:ph type="title"/>
+          </p:nvPr>
+        </p:nvSpPr>
+        <p:spPr/>
+        <p:txBody>
+          <a:bodyPr/>
+          <a:lstStyle/>
+          <a:p>
+            <a:pPr>
+              <a:defRPr sz="3400" b="1">
+                <a:solidFill>
+                  <a:srgbClr val="212529"/>
+                </a:solidFill>
+                <a:latin typeface="Calibri"/>
+              </a:defRPr>
+            </a:pPr>
+            <a:r>
+              <a:t>Ensembles d’entraînement, validation et test</a:t>
+            </a:r>
+          </a:p>
+        </p:txBody>
+      </p:sp>
+      <p:sp>
+        <p:nvSpPr>
+          <p:cNvPr id="3" name="Content Placeholder 2"/>
+          <p:cNvSpPr>
+            <a:spLocks noGrp="1"/>
+          </p:cNvSpPr>
+          <p:nvPr>
+            <p:ph idx="1"/>
+          </p:nvPr>
+        </p:nvSpPr>
+        <p:spPr/>
+        <p:txBody>
+          <a:bodyPr/>
+          <a:lstStyle/>
+          <a:p>
+            <a:endParaRPr/>
+          </a:p>
+          <a:p>
+            <a:pPr>
+              <a:defRPr sz="1800">
+                <a:solidFill>
+                  <a:srgbClr val="373B3F"/>
+                </a:solidFill>
+                <a:latin typeface="Calibri"/>
+              </a:defRPr>
+            </a:pPr>
+            <a:r>
+              <a:t>Séparer les ensembles évite la fuite d’information et garantit une estimation honnête de performance. Par exemple, réserver un jeu de test temporel permet de simuler une mise en production future et d’évaluer la robustesse réellement attendue.</a:t>
+            </a:r>
+          </a:p>
+        </p:txBody>
+      </p:sp>
+      <p:pic>
+        <p:nvPicPr>
+          <p:cNvPr id="4" name="Picture 3" descr="chart_split.png"/>
+          <p:cNvPicPr>
+            <a:picLocks noChangeAspect="1"/>
+          </p:cNvPicPr>
+          <p:nvPr/>
+        </p:nvPicPr>
+        <p:blipFill>
+          <a:blip r:embed="rId2"/>
+          <a:stretch>
+            <a:fillRect/>
+          </a:stretch>
+        </p:blipFill>
+        <p:spPr>
+          <a:xfrm>
+            <a:off x="5220072" y="3212976"/>
+            <a:ext cx="2916776" cy="2926080"/>
+          </a:xfrm>
+          <a:prstGeom prst="rect">
+            <a:avLst/>
+          </a:prstGeom>
+        </p:spPr>
+      </p:pic>
+      <p:sp>
+        <p:nvSpPr>
+          <p:cNvPr id="5" name="TextBox 4"/>
+          <p:cNvSpPr txBox="1"/>
+          <p:nvPr/>
+        </p:nvSpPr>
+        <p:spPr>
+          <a:xfrm>
+            <a:off x="9326880" y="6217920"/>
+            <a:ext cx="1097280" cy="274320"/>
+          </a:xfrm>
+          <a:prstGeom prst="rect">
+            <a:avLst/>
+          </a:prstGeom>
+          <a:noFill/>
+        </p:spPr>
+        <p:txBody>
+          <a:bodyPr wrap="none">
+            <a:spAutoFit/>
+          </a:bodyPr>
+          <a:lstStyle/>
+          <a:p>
+            <a:pPr algn="r">
+              <a:defRPr sz="1100">
+                <a:solidFill>
+                  <a:srgbClr val="787878"/>
+                </a:solidFill>
+              </a:defRPr>
+            </a:pPr>
+            <a:r>
+              <a:t>16/30</a:t>
+            </a:r>
+          </a:p>
+        </p:txBody>
+      </p:sp>
+    </p:spTree>
+  </p:cSld>
+  <p:clrMapOvr>
+    <a:masterClrMapping/>
+  </p:clrMapOvr>
+</p:sld>
+</file>
+
+<file path=ppt/slides/slide36.xml><?xml version="1.0" encoding="utf-8"?>
+<p:sld xmlns:a="http://schemas.openxmlformats.org/drawingml/2006/main" xmlns:r="http://schemas.openxmlformats.org/officeDocument/2006/relationships" xmlns:p="http://schemas.openxmlformats.org/presentationml/2006/main">
+  <p:cSld>
+    <p:spTree>
+      <p:nvGrpSpPr>
+        <p:cNvPr id="1" name=""/>
+        <p:cNvGrpSpPr/>
+        <p:nvPr/>
+      </p:nvGrpSpPr>
+      <p:grpSpPr>
+        <a:xfrm>
+          <a:off x="0" y="0"/>
+          <a:ext cx="0" cy="0"/>
+          <a:chOff x="0" y="0"/>
+          <a:chExt cx="0" cy="0"/>
+        </a:xfrm>
+      </p:grpSpPr>
+      <p:sp>
+        <p:nvSpPr>
+          <p:cNvPr id="2" name="Title 1"/>
+          <p:cNvSpPr>
+            <a:spLocks noGrp="1"/>
+          </p:cNvSpPr>
+          <p:nvPr>
+            <p:ph type="title"/>
+          </p:nvPr>
+        </p:nvSpPr>
+        <p:spPr/>
+        <p:txBody>
+          <a:bodyPr/>
+          <a:lstStyle/>
+          <a:p>
+            <a:pPr>
+              <a:defRPr sz="3400" b="1">
+                <a:solidFill>
+                  <a:srgbClr val="212529"/>
+                </a:solidFill>
+                <a:latin typeface="Calibri"/>
+              </a:defRPr>
+            </a:pPr>
+            <a:r>
+              <a:t>Outils pour la visualisation (Dataviz)</a:t>
+            </a:r>
+          </a:p>
+        </p:txBody>
+      </p:sp>
+      <p:sp>
+        <p:nvSpPr>
+          <p:cNvPr id="3" name="Content Placeholder 2"/>
+          <p:cNvSpPr>
+            <a:spLocks noGrp="1"/>
+          </p:cNvSpPr>
+          <p:nvPr>
+            <p:ph idx="1"/>
+          </p:nvPr>
+        </p:nvSpPr>
+        <p:spPr/>
+        <p:txBody>
+          <a:bodyPr/>
+          <a:lstStyle/>
+          <a:p>
+            <a:endParaRPr/>
+          </a:p>
+          <a:p>
+            <a:pPr>
+              <a:defRPr sz="1800">
+                <a:solidFill>
+                  <a:srgbClr val="373B3F"/>
+                </a:solidFill>
+                <a:latin typeface="Calibri"/>
+              </a:defRPr>
+            </a:pPr>
+            <a:r>
+              <a:t>La dataviz sert l’exploration, l’explication et la décision. Par exemple, un graphique en barres comparant des canaux marketing révèle immédiatement l’efficacité relative et guide la redistribution budgétaire vers les leviers les plus performants rapidement.</a:t>
+            </a:r>
+          </a:p>
+        </p:txBody>
+      </p:sp>
+      <p:pic>
+        <p:nvPicPr>
+          <p:cNvPr id="4" name="Picture 3" descr="chart_histogram.png"/>
+          <p:cNvPicPr>
+            <a:picLocks noChangeAspect="1"/>
+          </p:cNvPicPr>
+          <p:nvPr/>
+        </p:nvPicPr>
+        <p:blipFill>
+          <a:blip r:embed="rId2"/>
+          <a:stretch>
+            <a:fillRect/>
+          </a:stretch>
+        </p:blipFill>
+        <p:spPr>
+          <a:xfrm>
+            <a:off x="2195736" y="3259994"/>
+            <a:ext cx="4311574" cy="2926080"/>
+          </a:xfrm>
+          <a:prstGeom prst="rect">
+            <a:avLst/>
+          </a:prstGeom>
+        </p:spPr>
+      </p:pic>
+      <p:sp>
+        <p:nvSpPr>
+          <p:cNvPr id="5" name="TextBox 4"/>
+          <p:cNvSpPr txBox="1"/>
+          <p:nvPr/>
+        </p:nvSpPr>
+        <p:spPr>
+          <a:xfrm>
+            <a:off x="9326880" y="6217920"/>
+            <a:ext cx="1097280" cy="274320"/>
+          </a:xfrm>
+          <a:prstGeom prst="rect">
+            <a:avLst/>
+          </a:prstGeom>
+          <a:noFill/>
+        </p:spPr>
+        <p:txBody>
+          <a:bodyPr wrap="none">
+            <a:spAutoFit/>
+          </a:bodyPr>
+          <a:lstStyle/>
+          <a:p>
+            <a:pPr algn="r">
+              <a:defRPr sz="1100">
+                <a:solidFill>
+                  <a:srgbClr val="787878"/>
+                </a:solidFill>
+              </a:defRPr>
+            </a:pPr>
+            <a:r>
+              <a:t>18/30</a:t>
+            </a:r>
+          </a:p>
+        </p:txBody>
+      </p:sp>
+      <p:sp>
+        <p:nvSpPr>
+          <p:cNvPr id="6" name="TextBox 5"/>
+          <p:cNvSpPr txBox="1"/>
+          <p:nvPr/>
+        </p:nvSpPr>
+        <p:spPr>
+          <a:xfrm>
+            <a:off x="5486400" y="4846320"/>
+            <a:ext cx="3657600" cy="640080"/>
+          </a:xfrm>
+          <a:prstGeom prst="rect">
+            <a:avLst/>
+          </a:prstGeom>
+          <a:noFill/>
+        </p:spPr>
+        <p:txBody>
+          <a:bodyPr wrap="none">
+            <a:spAutoFit/>
+          </a:bodyPr>
+          <a:lstStyle/>
+          <a:p>
+            <a:pPr>
+              <a:defRPr sz="1000">
+                <a:solidFill>
+                  <a:srgbClr val="646464"/>
+                </a:solidFill>
+              </a:defRPr>
+            </a:pPr>
+            <a:r>
+              <a:t>Illustration générée à partir de données simulées à des fins pédagogiques.</a:t>
+            </a:r>
+          </a:p>
+        </p:txBody>
+      </p:sp>
+    </p:spTree>
+  </p:cSld>
+  <p:clrMapOvr>
+    <a:masterClrMapping/>
+  </p:clrMapOvr>
+</p:sld>
+</file>
+
+<file path=ppt/slides/slide37.xml><?xml version="1.0" encoding="utf-8"?>
+<p:sld xmlns:a="http://schemas.openxmlformats.org/drawingml/2006/main" xmlns:r="http://schemas.openxmlformats.org/officeDocument/2006/relationships" xmlns:p="http://schemas.openxmlformats.org/presentationml/2006/main">
+  <p:cSld>
+    <p:spTree>
+      <p:nvGrpSpPr>
+        <p:cNvPr id="1" name=""/>
+        <p:cNvGrpSpPr/>
+        <p:nvPr/>
+      </p:nvGrpSpPr>
+      <p:grpSpPr>
+        <a:xfrm>
+          <a:off x="0" y="0"/>
+          <a:ext cx="0" cy="0"/>
+          <a:chOff x="0" y="0"/>
+          <a:chExt cx="0" cy="0"/>
+        </a:xfrm>
+      </p:grpSpPr>
+      <p:sp>
+        <p:nvSpPr>
+          <p:cNvPr id="2" name="Title 1"/>
+          <p:cNvSpPr>
+            <a:spLocks noGrp="1"/>
+          </p:cNvSpPr>
+          <p:nvPr>
+            <p:ph type="title"/>
+          </p:nvPr>
+        </p:nvSpPr>
+        <p:spPr/>
+        <p:txBody>
+          <a:bodyPr/>
+          <a:lstStyle/>
+          <a:p>
+            <a:pPr>
+              <a:defRPr sz="3400" b="1">
+                <a:solidFill>
+                  <a:srgbClr val="212529"/>
+                </a:solidFill>
+                <a:latin typeface="Calibri"/>
+              </a:defRPr>
+            </a:pPr>
+            <a:r>
+              <a:t>Principes de la Dataviz efficace</a:t>
+            </a:r>
+          </a:p>
+        </p:txBody>
+      </p:sp>
+      <p:sp>
+        <p:nvSpPr>
+          <p:cNvPr id="3" name="Content Placeholder 2"/>
+          <p:cNvSpPr>
+            <a:spLocks noGrp="1"/>
+          </p:cNvSpPr>
+          <p:nvPr>
+            <p:ph idx="1"/>
+          </p:nvPr>
+        </p:nvSpPr>
+        <p:spPr/>
+        <p:txBody>
+          <a:bodyPr/>
+          <a:lstStyle/>
+          <a:p>
+            <a:endParaRPr sz="4800" dirty="0"/>
+          </a:p>
+          <a:p>
+            <a:pPr>
+              <a:defRPr sz="1800">
+                <a:solidFill>
+                  <a:srgbClr val="373B3F"/>
+                </a:solidFill>
+                <a:latin typeface="Calibri"/>
+              </a:defRPr>
+            </a:pPr>
+            <a:r>
+              <a:rPr sz="2400" dirty="0" err="1"/>
+              <a:t>Privilégier</a:t>
+            </a:r>
+            <a:r>
+              <a:rPr sz="2400" dirty="0"/>
+              <a:t> la </a:t>
+            </a:r>
+            <a:r>
+              <a:rPr sz="2400" dirty="0" err="1"/>
+              <a:t>simplicité</a:t>
+            </a:r>
+            <a:r>
+              <a:rPr sz="2400" dirty="0"/>
+              <a:t>, les </a:t>
+            </a:r>
+            <a:r>
+              <a:rPr sz="2400" dirty="0" err="1"/>
+              <a:t>comparaisons</a:t>
+            </a:r>
+            <a:r>
+              <a:rPr sz="2400" dirty="0"/>
+              <a:t> </a:t>
+            </a:r>
+            <a:r>
+              <a:rPr sz="2400" dirty="0" err="1"/>
+              <a:t>claires</a:t>
+            </a:r>
+            <a:r>
+              <a:rPr sz="2400" dirty="0"/>
+              <a:t>, des axes </a:t>
+            </a:r>
+            <a:r>
+              <a:rPr sz="2400" dirty="0" err="1"/>
+              <a:t>honnêtes</a:t>
+            </a:r>
+            <a:r>
+              <a:rPr sz="2400" dirty="0"/>
+              <a:t> et des annotations </a:t>
+            </a:r>
+            <a:r>
+              <a:rPr sz="2400" dirty="0" err="1"/>
+              <a:t>utiles</a:t>
+            </a:r>
+            <a:endParaRPr lang="fr-FR" sz="2400" dirty="0"/>
+          </a:p>
+          <a:p>
+            <a:pPr>
+              <a:defRPr sz="1800">
+                <a:solidFill>
+                  <a:srgbClr val="373B3F"/>
+                </a:solidFill>
+                <a:latin typeface="Calibri"/>
+              </a:defRPr>
+            </a:pPr>
+            <a:r>
+              <a:rPr sz="2400" dirty="0"/>
+              <a:t>Par </a:t>
+            </a:r>
+            <a:r>
+              <a:rPr sz="2400" dirty="0" err="1"/>
+              <a:t>exemple</a:t>
+            </a:r>
+            <a:r>
+              <a:rPr sz="2400" dirty="0"/>
+              <a:t>, </a:t>
+            </a:r>
+            <a:r>
+              <a:rPr sz="2400" dirty="0" err="1"/>
+              <a:t>enlever</a:t>
+            </a:r>
+            <a:r>
+              <a:rPr sz="2400" dirty="0"/>
+              <a:t> la 3D </a:t>
+            </a:r>
+            <a:r>
+              <a:rPr sz="2400" dirty="0" err="1"/>
+              <a:t>superflue</a:t>
+            </a:r>
+            <a:r>
+              <a:rPr sz="2400" dirty="0"/>
+              <a:t> et </a:t>
+            </a:r>
+            <a:r>
+              <a:rPr sz="2400" dirty="0" err="1"/>
+              <a:t>ajouter</a:t>
+            </a:r>
+            <a:r>
+              <a:rPr sz="2400" dirty="0"/>
+              <a:t> </a:t>
+            </a:r>
+            <a:r>
+              <a:rPr sz="2400" dirty="0" err="1"/>
+              <a:t>une</a:t>
+            </a:r>
+            <a:r>
+              <a:rPr sz="2400" dirty="0"/>
+              <a:t> </a:t>
+            </a:r>
+            <a:r>
+              <a:rPr sz="2400" dirty="0" err="1"/>
+              <a:t>référence</a:t>
+            </a:r>
+            <a:r>
+              <a:rPr sz="2400" dirty="0"/>
+              <a:t> </a:t>
+            </a:r>
+            <a:r>
+              <a:rPr sz="2400" dirty="0" err="1"/>
+              <a:t>cible</a:t>
+            </a:r>
+            <a:r>
+              <a:rPr sz="2400" dirty="0"/>
+              <a:t> </a:t>
+            </a:r>
+            <a:r>
+              <a:rPr sz="2400" dirty="0" err="1"/>
+              <a:t>améliore</a:t>
+            </a:r>
+            <a:r>
+              <a:rPr sz="2400" dirty="0"/>
+              <a:t> la </a:t>
+            </a:r>
+            <a:r>
+              <a:rPr sz="2400" dirty="0" err="1"/>
+              <a:t>compréhension</a:t>
+            </a:r>
+            <a:r>
+              <a:rPr sz="2400" dirty="0"/>
+              <a:t> et </a:t>
+            </a:r>
+            <a:r>
+              <a:rPr sz="2400" dirty="0" err="1"/>
+              <a:t>accélère</a:t>
+            </a:r>
+            <a:r>
+              <a:rPr sz="2400" dirty="0"/>
+              <a:t> la </a:t>
+            </a:r>
+            <a:r>
+              <a:rPr sz="2400" dirty="0" err="1"/>
+              <a:t>décision</a:t>
+            </a:r>
+            <a:r>
+              <a:rPr sz="2400" dirty="0"/>
+              <a:t> </a:t>
+            </a:r>
+            <a:r>
+              <a:rPr sz="2400" dirty="0" err="1"/>
+              <a:t>lors</a:t>
+            </a:r>
+            <a:r>
+              <a:rPr sz="2400" dirty="0"/>
+              <a:t> d’un </a:t>
+            </a:r>
+            <a:r>
+              <a:rPr sz="2400" dirty="0" err="1"/>
+              <a:t>comité</a:t>
+            </a:r>
+            <a:r>
+              <a:rPr sz="2400" dirty="0"/>
+              <a:t> </a:t>
+            </a:r>
+            <a:r>
+              <a:rPr sz="2400" dirty="0" err="1"/>
+              <a:t>mensuel</a:t>
+            </a:r>
+            <a:r>
+              <a:rPr sz="2400" dirty="0"/>
+              <a:t> </a:t>
+            </a:r>
+            <a:r>
+              <a:rPr sz="2400" dirty="0" err="1"/>
+              <a:t>opérationnel</a:t>
+            </a:r>
+            <a:r>
+              <a:rPr sz="2400" dirty="0"/>
+              <a:t> </a:t>
+            </a:r>
+            <a:r>
+              <a:rPr sz="2400" dirty="0" err="1"/>
+              <a:t>exigeant</a:t>
+            </a:r>
+            <a:r>
+              <a:rPr sz="2400" dirty="0"/>
+              <a:t>.</a:t>
+            </a:r>
+          </a:p>
+        </p:txBody>
+      </p:sp>
+      <p:sp>
+        <p:nvSpPr>
+          <p:cNvPr id="4" name="TextBox 3"/>
+          <p:cNvSpPr txBox="1"/>
+          <p:nvPr/>
+        </p:nvSpPr>
+        <p:spPr>
+          <a:xfrm>
+            <a:off x="9326880" y="6217920"/>
+            <a:ext cx="1097280" cy="274320"/>
+          </a:xfrm>
+          <a:prstGeom prst="rect">
+            <a:avLst/>
+          </a:prstGeom>
+          <a:noFill/>
+        </p:spPr>
+        <p:txBody>
+          <a:bodyPr wrap="none">
+            <a:spAutoFit/>
+          </a:bodyPr>
+          <a:lstStyle/>
+          <a:p>
+            <a:pPr algn="r">
+              <a:defRPr sz="1100">
+                <a:solidFill>
+                  <a:srgbClr val="787878"/>
+                </a:solidFill>
+              </a:defRPr>
+            </a:pPr>
+            <a:r>
+              <a:t>19/30</a:t>
+            </a:r>
+          </a:p>
+        </p:txBody>
+      </p:sp>
+    </p:spTree>
+  </p:cSld>
+  <p:clrMapOvr>
+    <a:masterClrMapping/>
+  </p:clrMapOvr>
+</p:sld>
+</file>
+
+<file path=ppt/slides/slide38.xml><?xml version="1.0" encoding="utf-8"?>
+<p:sld xmlns:a="http://schemas.openxmlformats.org/drawingml/2006/main" xmlns:r="http://schemas.openxmlformats.org/officeDocument/2006/relationships" xmlns:p="http://schemas.openxmlformats.org/presentationml/2006/main">
+  <p:cSld>
+    <p:spTree>
+      <p:nvGrpSpPr>
+        <p:cNvPr id="1" name=""/>
+        <p:cNvGrpSpPr/>
+        <p:nvPr/>
+      </p:nvGrpSpPr>
+      <p:grpSpPr>
+        <a:xfrm>
+          <a:off x="0" y="0"/>
+          <a:ext cx="0" cy="0"/>
+          <a:chOff x="0" y="0"/>
+          <a:chExt cx="0" cy="0"/>
+        </a:xfrm>
+      </p:grpSpPr>
+      <p:sp>
+        <p:nvSpPr>
+          <p:cNvPr id="2" name="Title 1"/>
+          <p:cNvSpPr>
+            <a:spLocks noGrp="1"/>
+          </p:cNvSpPr>
+          <p:nvPr>
+            <p:ph type="title"/>
+          </p:nvPr>
+        </p:nvSpPr>
+        <p:spPr/>
+        <p:txBody>
+          <a:bodyPr/>
+          <a:lstStyle/>
+          <a:p>
+            <a:pPr>
+              <a:defRPr sz="3400" b="1">
+                <a:solidFill>
+                  <a:srgbClr val="212529"/>
+                </a:solidFill>
+                <a:latin typeface="Calibri"/>
+              </a:defRPr>
+            </a:pPr>
+            <a:r>
+              <a:t>Exemples d’outils de Dataviz</a:t>
+            </a:r>
+          </a:p>
+        </p:txBody>
+      </p:sp>
+      <p:sp>
+        <p:nvSpPr>
+          <p:cNvPr id="3" name="Content Placeholder 2"/>
+          <p:cNvSpPr>
+            <a:spLocks noGrp="1"/>
+          </p:cNvSpPr>
+          <p:nvPr>
+            <p:ph idx="1"/>
+          </p:nvPr>
+        </p:nvSpPr>
+        <p:spPr/>
+        <p:txBody>
+          <a:bodyPr/>
+          <a:lstStyle/>
+          <a:p>
+            <a:endParaRPr/>
+          </a:p>
+          <a:p>
+            <a:pPr>
+              <a:defRPr sz="1800">
+                <a:solidFill>
+                  <a:srgbClr val="373B3F"/>
+                </a:solidFill>
+                <a:latin typeface="Calibri"/>
+              </a:defRPr>
+            </a:pPr>
+            <a:r>
+              <a:t>Power BI, Tableau et Qlik facilitent la création de tableaux de bord gouvernés, tandis que Python et R offrent flexibilité analytique. Par exemple, prototyper sous notebooks puis industrialiser sous Power BI concilie vitesse d’exploration et gouvernance centralisée robuste.</a:t>
+            </a:r>
+          </a:p>
+        </p:txBody>
+      </p:sp>
+      <p:pic>
+        <p:nvPicPr>
+          <p:cNvPr id="4" name="Picture 3" descr="chart_cost_perf.png"/>
+          <p:cNvPicPr>
+            <a:picLocks noChangeAspect="1"/>
+          </p:cNvPicPr>
+          <p:nvPr/>
+        </p:nvPicPr>
+        <p:blipFill>
+          <a:blip r:embed="rId2"/>
+          <a:stretch>
+            <a:fillRect/>
+          </a:stretch>
+        </p:blipFill>
+        <p:spPr>
+          <a:xfrm>
+            <a:off x="3059832" y="3291840"/>
+            <a:ext cx="3846296" cy="2926080"/>
+          </a:xfrm>
+          <a:prstGeom prst="rect">
+            <a:avLst/>
+          </a:prstGeom>
+        </p:spPr>
+      </p:pic>
+      <p:sp>
+        <p:nvSpPr>
+          <p:cNvPr id="5" name="TextBox 4"/>
+          <p:cNvSpPr txBox="1"/>
+          <p:nvPr/>
+        </p:nvSpPr>
+        <p:spPr>
+          <a:xfrm>
+            <a:off x="9326880" y="6217920"/>
+            <a:ext cx="1097280" cy="274320"/>
+          </a:xfrm>
+          <a:prstGeom prst="rect">
+            <a:avLst/>
+          </a:prstGeom>
+          <a:noFill/>
+        </p:spPr>
+        <p:txBody>
+          <a:bodyPr wrap="none">
+            <a:spAutoFit/>
+          </a:bodyPr>
+          <a:lstStyle/>
+          <a:p>
+            <a:pPr algn="r">
+              <a:defRPr sz="1100">
+                <a:solidFill>
+                  <a:srgbClr val="787878"/>
+                </a:solidFill>
+              </a:defRPr>
+            </a:pPr>
+            <a:r>
+              <a:t>20/30</a:t>
+            </a:r>
+          </a:p>
+        </p:txBody>
+      </p:sp>
+      <p:sp>
+        <p:nvSpPr>
+          <p:cNvPr id="6" name="TextBox 5"/>
+          <p:cNvSpPr txBox="1"/>
+          <p:nvPr/>
+        </p:nvSpPr>
+        <p:spPr>
+          <a:xfrm>
+            <a:off x="5486400" y="4846320"/>
+            <a:ext cx="3657600" cy="640080"/>
+          </a:xfrm>
+          <a:prstGeom prst="rect">
+            <a:avLst/>
+          </a:prstGeom>
+          <a:noFill/>
+        </p:spPr>
+        <p:txBody>
+          <a:bodyPr wrap="none">
+            <a:spAutoFit/>
+          </a:bodyPr>
+          <a:lstStyle/>
+          <a:p>
+            <a:pPr>
+              <a:defRPr sz="1000">
+                <a:solidFill>
+                  <a:srgbClr val="646464"/>
+                </a:solidFill>
+              </a:defRPr>
+            </a:pPr>
+            <a:r>
+              <a:t>Illustration générée à partir de données simulées à des fins pédagogiques.</a:t>
+            </a:r>
+          </a:p>
+        </p:txBody>
+      </p:sp>
+    </p:spTree>
+  </p:cSld>
+  <p:clrMapOvr>
+    <a:masterClrMapping/>
+  </p:clrMapOvr>
+</p:sld>
+</file>
+
+<file path=ppt/slides/slide39.xml><?xml version="1.0" encoding="utf-8"?>
+<p:sld xmlns:a="http://schemas.openxmlformats.org/drawingml/2006/main" xmlns:r="http://schemas.openxmlformats.org/officeDocument/2006/relationships" xmlns:p="http://schemas.openxmlformats.org/presentationml/2006/main">
+  <p:cSld>
+    <p:spTree>
+      <p:nvGrpSpPr>
+        <p:cNvPr id="1" name=""/>
+        <p:cNvGrpSpPr/>
+        <p:nvPr/>
+      </p:nvGrpSpPr>
+      <p:grpSpPr>
+        <a:xfrm>
+          <a:off x="0" y="0"/>
+          <a:ext cx="0" cy="0"/>
+          <a:chOff x="0" y="0"/>
+          <a:chExt cx="0" cy="0"/>
+        </a:xfrm>
+      </p:grpSpPr>
+      <p:sp>
+        <p:nvSpPr>
+          <p:cNvPr id="2" name="Title 1"/>
+          <p:cNvSpPr>
+            <a:spLocks noGrp="1"/>
+          </p:cNvSpPr>
+          <p:nvPr>
+            <p:ph type="title"/>
+          </p:nvPr>
+        </p:nvSpPr>
+        <p:spPr/>
+        <p:txBody>
+          <a:bodyPr/>
+          <a:lstStyle/>
+          <a:p>
+            <a:pPr>
+              <a:defRPr sz="3400" b="1">
+                <a:solidFill>
+                  <a:srgbClr val="212529"/>
+                </a:solidFill>
+                <a:latin typeface="Calibri"/>
+              </a:defRPr>
+            </a:pPr>
+            <a:r>
+              <a:t>Focus qualité : processus &amp; rôles</a:t>
+            </a:r>
+          </a:p>
+        </p:txBody>
+      </p:sp>
+      <p:sp>
+        <p:nvSpPr>
+          <p:cNvPr id="3" name="Content Placeholder 2"/>
+          <p:cNvSpPr>
+            <a:spLocks noGrp="1"/>
+          </p:cNvSpPr>
+          <p:nvPr>
+            <p:ph idx="1"/>
+          </p:nvPr>
+        </p:nvSpPr>
+        <p:spPr/>
+        <p:txBody>
+          <a:bodyPr/>
+          <a:lstStyle/>
+          <a:p>
+            <a:endParaRPr/>
+          </a:p>
+          <a:p>
+            <a:pPr>
+              <a:defRPr sz="1800">
+                <a:solidFill>
+                  <a:srgbClr val="373B3F"/>
+                </a:solidFill>
+                <a:latin typeface="Calibri"/>
+              </a:defRPr>
+            </a:pPr>
+            <a:r>
+              <a:t>Les data owners et stewards définissent règles, contrôles et responsabilités. Par exemple, un SLA de fraîcheur sur une table produit déclenche une alerte si la mise à jour dépasse vingt-quatre heures, ce qui sécurise les indicateurs d’activité sensibles ensuite.</a:t>
+            </a:r>
+          </a:p>
+        </p:txBody>
+      </p:sp>
+      <p:pic>
+        <p:nvPicPr>
+          <p:cNvPr id="4" name="Picture 3" descr="chart_radar_qualite.png"/>
+          <p:cNvPicPr>
+            <a:picLocks noChangeAspect="1"/>
+          </p:cNvPicPr>
+          <p:nvPr/>
+        </p:nvPicPr>
+        <p:blipFill>
+          <a:blip r:embed="rId2"/>
+          <a:stretch>
+            <a:fillRect/>
+          </a:stretch>
+        </p:blipFill>
+        <p:spPr>
+          <a:xfrm>
+            <a:off x="5486400" y="1828800"/>
+            <a:ext cx="3617280" cy="2926080"/>
+          </a:xfrm>
+          <a:prstGeom prst="rect">
+            <a:avLst/>
+          </a:prstGeom>
+        </p:spPr>
+      </p:pic>
+      <p:sp>
+        <p:nvSpPr>
+          <p:cNvPr id="5" name="TextBox 4"/>
+          <p:cNvSpPr txBox="1"/>
+          <p:nvPr/>
+        </p:nvSpPr>
+        <p:spPr>
+          <a:xfrm>
+            <a:off x="9326880" y="6217920"/>
+            <a:ext cx="1097280" cy="274320"/>
+          </a:xfrm>
+          <a:prstGeom prst="rect">
+            <a:avLst/>
+          </a:prstGeom>
+          <a:noFill/>
+        </p:spPr>
+        <p:txBody>
+          <a:bodyPr wrap="none">
+            <a:spAutoFit/>
+          </a:bodyPr>
+          <a:lstStyle/>
+          <a:p>
+            <a:pPr algn="r">
+              <a:defRPr sz="1100">
+                <a:solidFill>
+                  <a:srgbClr val="787878"/>
+                </a:solidFill>
+              </a:defRPr>
+            </a:pPr>
+            <a:r>
+              <a:t>21/30</a:t>
+            </a:r>
+          </a:p>
+        </p:txBody>
+      </p:sp>
+      <p:sp>
+        <p:nvSpPr>
+          <p:cNvPr id="6" name="TextBox 5"/>
+          <p:cNvSpPr txBox="1"/>
+          <p:nvPr/>
+        </p:nvSpPr>
+        <p:spPr>
+          <a:xfrm>
+            <a:off x="5486400" y="4846320"/>
+            <a:ext cx="3657600" cy="640080"/>
+          </a:xfrm>
+          <a:prstGeom prst="rect">
+            <a:avLst/>
+          </a:prstGeom>
+          <a:noFill/>
+        </p:spPr>
+        <p:txBody>
+          <a:bodyPr wrap="none">
+            <a:spAutoFit/>
+          </a:bodyPr>
+          <a:lstStyle/>
+          <a:p>
+            <a:pPr>
+              <a:defRPr sz="1000">
+                <a:solidFill>
+                  <a:srgbClr val="646464"/>
+                </a:solidFill>
+              </a:defRPr>
+            </a:pPr>
+            <a:r>
+              <a:t>Illustration générée à partir de données simulées à des fins pédagogiques.</a:t>
+            </a:r>
+          </a:p>
+        </p:txBody>
+      </p:sp>
+    </p:spTree>
   </p:cSld>
   <p:clrMapOvr>
     <a:masterClrMapping/>
@@ -7565,6 +9089,1569 @@
 </p:sld>
 </file>
 
+<file path=ppt/slides/slide40.xml><?xml version="1.0" encoding="utf-8"?>
+<p:sld xmlns:a="http://schemas.openxmlformats.org/drawingml/2006/main" xmlns:r="http://schemas.openxmlformats.org/officeDocument/2006/relationships" xmlns:p="http://schemas.openxmlformats.org/presentationml/2006/main">
+  <p:cSld>
+    <p:spTree>
+      <p:nvGrpSpPr>
+        <p:cNvPr id="1" name=""/>
+        <p:cNvGrpSpPr/>
+        <p:nvPr/>
+      </p:nvGrpSpPr>
+      <p:grpSpPr>
+        <a:xfrm>
+          <a:off x="0" y="0"/>
+          <a:ext cx="0" cy="0"/>
+          <a:chOff x="0" y="0"/>
+          <a:chExt cx="0" cy="0"/>
+        </a:xfrm>
+      </p:grpSpPr>
+      <p:sp>
+        <p:nvSpPr>
+          <p:cNvPr id="2" name="Title 1"/>
+          <p:cNvSpPr>
+            <a:spLocks noGrp="1"/>
+          </p:cNvSpPr>
+          <p:nvPr>
+            <p:ph type="title"/>
+          </p:nvPr>
+        </p:nvSpPr>
+        <p:spPr/>
+        <p:txBody>
+          <a:bodyPr/>
+          <a:lstStyle/>
+          <a:p>
+            <a:pPr>
+              <a:defRPr sz="3400" b="1">
+                <a:solidFill>
+                  <a:srgbClr val="212529"/>
+                </a:solidFill>
+                <a:latin typeface="Calibri"/>
+              </a:defRPr>
+            </a:pPr>
+            <a:r>
+              <a:t>Risques liés à des données de mauvaise qualité</a:t>
+            </a:r>
+          </a:p>
+        </p:txBody>
+      </p:sp>
+      <p:sp>
+        <p:nvSpPr>
+          <p:cNvPr id="3" name="Content Placeholder 2"/>
+          <p:cNvSpPr>
+            <a:spLocks noGrp="1"/>
+          </p:cNvSpPr>
+          <p:nvPr>
+            <p:ph idx="1"/>
+          </p:nvPr>
+        </p:nvSpPr>
+        <p:spPr/>
+        <p:txBody>
+          <a:bodyPr/>
+          <a:lstStyle/>
+          <a:p>
+            <a:endParaRPr/>
+          </a:p>
+          <a:p>
+            <a:pPr>
+              <a:defRPr sz="1800">
+                <a:solidFill>
+                  <a:srgbClr val="373B3F"/>
+                </a:solidFill>
+                <a:latin typeface="Calibri"/>
+              </a:defRPr>
+            </a:pPr>
+            <a:r>
+              <a:t>Une donnée médiocre induit décisions erronées, biais, non-conformité et coûts opérationnels. Par exemple, un doublon client fausse le chiffre d’affaires, déclenche des envois multiples et détériore la satisfaction, avec des impacts financiers immédiats et durables notablement.</a:t>
+            </a:r>
+          </a:p>
+        </p:txBody>
+      </p:sp>
+      <p:pic>
+        <p:nvPicPr>
+          <p:cNvPr id="4" name="Picture 3" descr="chart_pipeline_retention.png"/>
+          <p:cNvPicPr>
+            <a:picLocks noChangeAspect="1"/>
+          </p:cNvPicPr>
+          <p:nvPr/>
+        </p:nvPicPr>
+        <p:blipFill>
+          <a:blip r:embed="rId2"/>
+          <a:stretch>
+            <a:fillRect/>
+          </a:stretch>
+        </p:blipFill>
+        <p:spPr>
+          <a:xfrm>
+            <a:off x="5486400" y="1828800"/>
+            <a:ext cx="5326123" cy="2926080"/>
+          </a:xfrm>
+          <a:prstGeom prst="rect">
+            <a:avLst/>
+          </a:prstGeom>
+        </p:spPr>
+      </p:pic>
+      <p:sp>
+        <p:nvSpPr>
+          <p:cNvPr id="5" name="TextBox 4"/>
+          <p:cNvSpPr txBox="1"/>
+          <p:nvPr/>
+        </p:nvSpPr>
+        <p:spPr>
+          <a:xfrm>
+            <a:off x="9326880" y="6217920"/>
+            <a:ext cx="1097280" cy="274320"/>
+          </a:xfrm>
+          <a:prstGeom prst="rect">
+            <a:avLst/>
+          </a:prstGeom>
+          <a:noFill/>
+        </p:spPr>
+        <p:txBody>
+          <a:bodyPr wrap="none">
+            <a:spAutoFit/>
+          </a:bodyPr>
+          <a:lstStyle/>
+          <a:p>
+            <a:pPr algn="r">
+              <a:defRPr sz="1100">
+                <a:solidFill>
+                  <a:srgbClr val="787878"/>
+                </a:solidFill>
+              </a:defRPr>
+            </a:pPr>
+            <a:r>
+              <a:t>22/30</a:t>
+            </a:r>
+          </a:p>
+        </p:txBody>
+      </p:sp>
+      <p:sp>
+        <p:nvSpPr>
+          <p:cNvPr id="6" name="TextBox 5"/>
+          <p:cNvSpPr txBox="1"/>
+          <p:nvPr/>
+        </p:nvSpPr>
+        <p:spPr>
+          <a:xfrm>
+            <a:off x="5486400" y="4846320"/>
+            <a:ext cx="3657600" cy="640080"/>
+          </a:xfrm>
+          <a:prstGeom prst="rect">
+            <a:avLst/>
+          </a:prstGeom>
+          <a:noFill/>
+        </p:spPr>
+        <p:txBody>
+          <a:bodyPr wrap="none">
+            <a:spAutoFit/>
+          </a:bodyPr>
+          <a:lstStyle/>
+          <a:p>
+            <a:pPr>
+              <a:defRPr sz="1000">
+                <a:solidFill>
+                  <a:srgbClr val="646464"/>
+                </a:solidFill>
+              </a:defRPr>
+            </a:pPr>
+            <a:r>
+              <a:t>Illustration générée à partir de données simulées à des fins pédagogiques.</a:t>
+            </a:r>
+          </a:p>
+        </p:txBody>
+      </p:sp>
+    </p:spTree>
+  </p:cSld>
+  <p:clrMapOvr>
+    <a:masterClrMapping/>
+  </p:clrMapOvr>
+</p:sld>
+</file>
+
+<file path=ppt/slides/slide41.xml><?xml version="1.0" encoding="utf-8"?>
+<p:sld xmlns:a="http://schemas.openxmlformats.org/drawingml/2006/main" xmlns:r="http://schemas.openxmlformats.org/officeDocument/2006/relationships" xmlns:p="http://schemas.openxmlformats.org/presentationml/2006/main">
+  <p:cSld>
+    <p:spTree>
+      <p:nvGrpSpPr>
+        <p:cNvPr id="1" name=""/>
+        <p:cNvGrpSpPr/>
+        <p:nvPr/>
+      </p:nvGrpSpPr>
+      <p:grpSpPr>
+        <a:xfrm>
+          <a:off x="0" y="0"/>
+          <a:ext cx="0" cy="0"/>
+          <a:chOff x="0" y="0"/>
+          <a:chExt cx="0" cy="0"/>
+        </a:xfrm>
+      </p:grpSpPr>
+      <p:sp>
+        <p:nvSpPr>
+          <p:cNvPr id="2" name="Title 1"/>
+          <p:cNvSpPr>
+            <a:spLocks noGrp="1"/>
+          </p:cNvSpPr>
+          <p:nvPr>
+            <p:ph type="title"/>
+          </p:nvPr>
+        </p:nvSpPr>
+        <p:spPr/>
+        <p:txBody>
+          <a:bodyPr/>
+          <a:lstStyle/>
+          <a:p>
+            <a:pPr>
+              <a:defRPr sz="3400" b="1">
+                <a:solidFill>
+                  <a:srgbClr val="212529"/>
+                </a:solidFill>
+                <a:latin typeface="Calibri"/>
+              </a:defRPr>
+            </a:pPr>
+            <a:r>
+              <a:t>Bonnes pratiques pour garantir la qualité</a:t>
+            </a:r>
+          </a:p>
+        </p:txBody>
+      </p:sp>
+      <p:sp>
+        <p:nvSpPr>
+          <p:cNvPr id="3" name="Content Placeholder 2"/>
+          <p:cNvSpPr>
+            <a:spLocks noGrp="1"/>
+          </p:cNvSpPr>
+          <p:nvPr>
+            <p:ph idx="1"/>
+          </p:nvPr>
+        </p:nvSpPr>
+        <p:spPr/>
+        <p:txBody>
+          <a:bodyPr/>
+          <a:lstStyle/>
+          <a:p>
+            <a:endParaRPr/>
+          </a:p>
+          <a:p>
+            <a:pPr>
+              <a:defRPr sz="1800">
+                <a:solidFill>
+                  <a:srgbClr val="373B3F"/>
+                </a:solidFill>
+                <a:latin typeface="Calibri"/>
+              </a:defRPr>
+            </a:pPr>
+            <a:r>
+              <a:t>Mettre en place contrats de données, tests automatiques et monitoring des dérives. Par exemple, Great Expectations vérifie des contraintes de schéma, tandis que des alertes de drift signalent un changement de distribution nécessitant une réentraînement planifié utilement.</a:t>
+            </a:r>
+          </a:p>
+        </p:txBody>
+      </p:sp>
+      <p:pic>
+        <p:nvPicPr>
+          <p:cNvPr id="4" name="Picture 3" descr="chart_freshness.png"/>
+          <p:cNvPicPr>
+            <a:picLocks noChangeAspect="1"/>
+          </p:cNvPicPr>
+          <p:nvPr/>
+        </p:nvPicPr>
+        <p:blipFill>
+          <a:blip r:embed="rId2"/>
+          <a:stretch>
+            <a:fillRect/>
+          </a:stretch>
+        </p:blipFill>
+        <p:spPr>
+          <a:xfrm>
+            <a:off x="5486400" y="1828800"/>
+            <a:ext cx="4411121" cy="2926080"/>
+          </a:xfrm>
+          <a:prstGeom prst="rect">
+            <a:avLst/>
+          </a:prstGeom>
+        </p:spPr>
+      </p:pic>
+      <p:sp>
+        <p:nvSpPr>
+          <p:cNvPr id="5" name="TextBox 4"/>
+          <p:cNvSpPr txBox="1"/>
+          <p:nvPr/>
+        </p:nvSpPr>
+        <p:spPr>
+          <a:xfrm>
+            <a:off x="9326880" y="6217920"/>
+            <a:ext cx="1097280" cy="274320"/>
+          </a:xfrm>
+          <a:prstGeom prst="rect">
+            <a:avLst/>
+          </a:prstGeom>
+          <a:noFill/>
+        </p:spPr>
+        <p:txBody>
+          <a:bodyPr wrap="none">
+            <a:spAutoFit/>
+          </a:bodyPr>
+          <a:lstStyle/>
+          <a:p>
+            <a:pPr algn="r">
+              <a:defRPr sz="1100">
+                <a:solidFill>
+                  <a:srgbClr val="787878"/>
+                </a:solidFill>
+              </a:defRPr>
+            </a:pPr>
+            <a:r>
+              <a:t>23/30</a:t>
+            </a:r>
+          </a:p>
+        </p:txBody>
+      </p:sp>
+      <p:sp>
+        <p:nvSpPr>
+          <p:cNvPr id="6" name="TextBox 5"/>
+          <p:cNvSpPr txBox="1"/>
+          <p:nvPr/>
+        </p:nvSpPr>
+        <p:spPr>
+          <a:xfrm>
+            <a:off x="5486400" y="4846320"/>
+            <a:ext cx="3657600" cy="640080"/>
+          </a:xfrm>
+          <a:prstGeom prst="rect">
+            <a:avLst/>
+          </a:prstGeom>
+          <a:noFill/>
+        </p:spPr>
+        <p:txBody>
+          <a:bodyPr wrap="none">
+            <a:spAutoFit/>
+          </a:bodyPr>
+          <a:lstStyle/>
+          <a:p>
+            <a:pPr>
+              <a:defRPr sz="1000">
+                <a:solidFill>
+                  <a:srgbClr val="646464"/>
+                </a:solidFill>
+              </a:defRPr>
+            </a:pPr>
+            <a:r>
+              <a:t>Illustration générée à partir de données simulées à des fins pédagogiques.</a:t>
+            </a:r>
+          </a:p>
+        </p:txBody>
+      </p:sp>
+    </p:spTree>
+  </p:cSld>
+  <p:clrMapOvr>
+    <a:masterClrMapping/>
+  </p:clrMapOvr>
+</p:sld>
+</file>
+
+<file path=ppt/slides/slide42.xml><?xml version="1.0" encoding="utf-8"?>
+<p:sld xmlns:a="http://schemas.openxmlformats.org/drawingml/2006/main" xmlns:r="http://schemas.openxmlformats.org/officeDocument/2006/relationships" xmlns:p="http://schemas.openxmlformats.org/presentationml/2006/main">
+  <p:cSld>
+    <p:spTree>
+      <p:nvGrpSpPr>
+        <p:cNvPr id="1" name=""/>
+        <p:cNvGrpSpPr/>
+        <p:nvPr/>
+      </p:nvGrpSpPr>
+      <p:grpSpPr>
+        <a:xfrm>
+          <a:off x="0" y="0"/>
+          <a:ext cx="0" cy="0"/>
+          <a:chOff x="0" y="0"/>
+          <a:chExt cx="0" cy="0"/>
+        </a:xfrm>
+      </p:grpSpPr>
+      <p:sp>
+        <p:nvSpPr>
+          <p:cNvPr id="2" name="Title 1"/>
+          <p:cNvSpPr>
+            <a:spLocks noGrp="1"/>
+          </p:cNvSpPr>
+          <p:nvPr>
+            <p:ph type="title"/>
+          </p:nvPr>
+        </p:nvSpPr>
+        <p:spPr/>
+        <p:txBody>
+          <a:bodyPr/>
+          <a:lstStyle/>
+          <a:p>
+            <a:pPr>
+              <a:defRPr sz="3400" b="1">
+                <a:solidFill>
+                  <a:srgbClr val="212529"/>
+                </a:solidFill>
+                <a:latin typeface="Calibri"/>
+              </a:defRPr>
+            </a:pPr>
+            <a:r>
+              <a:t>Cas pratique 1 : Préparation d’un dataset pour l’IA</a:t>
+            </a:r>
+          </a:p>
+        </p:txBody>
+      </p:sp>
+      <p:sp>
+        <p:nvSpPr>
+          <p:cNvPr id="3" name="Content Placeholder 2"/>
+          <p:cNvSpPr>
+            <a:spLocks noGrp="1"/>
+          </p:cNvSpPr>
+          <p:nvPr>
+            <p:ph idx="1"/>
+          </p:nvPr>
+        </p:nvSpPr>
+        <p:spPr/>
+        <p:txBody>
+          <a:bodyPr/>
+          <a:lstStyle/>
+          <a:p>
+            <a:endParaRPr sz="3600" dirty="0"/>
+          </a:p>
+          <a:p>
+            <a:pPr>
+              <a:defRPr sz="1800">
+                <a:solidFill>
+                  <a:srgbClr val="373B3F"/>
+                </a:solidFill>
+                <a:latin typeface="Calibri"/>
+              </a:defRPr>
+            </a:pPr>
+            <a:r>
+              <a:rPr sz="2400" dirty="0"/>
+              <a:t>À </a:t>
+            </a:r>
+            <a:r>
+              <a:rPr sz="2400" dirty="0" err="1"/>
+              <a:t>partir</a:t>
+            </a:r>
+            <a:r>
+              <a:rPr sz="2400" dirty="0"/>
+              <a:t> d’un </a:t>
+            </a:r>
+            <a:r>
+              <a:rPr sz="2400" dirty="0" err="1"/>
+              <a:t>fichier</a:t>
+            </a:r>
+            <a:r>
+              <a:rPr sz="2400" dirty="0"/>
+              <a:t> ventes, nous </a:t>
+            </a:r>
+            <a:r>
+              <a:rPr sz="2400" dirty="0" err="1"/>
+              <a:t>profilons</a:t>
+            </a:r>
+            <a:r>
+              <a:rPr sz="2400" dirty="0"/>
+              <a:t> les </a:t>
+            </a:r>
+            <a:r>
+              <a:rPr sz="2400" dirty="0" err="1"/>
+              <a:t>colonnes</a:t>
+            </a:r>
+            <a:r>
+              <a:rPr sz="2400" dirty="0"/>
+              <a:t>, </a:t>
+            </a:r>
+            <a:r>
+              <a:rPr sz="2400" dirty="0" err="1"/>
+              <a:t>traitons</a:t>
+            </a:r>
+            <a:r>
+              <a:rPr sz="2400" dirty="0"/>
+              <a:t> les </a:t>
+            </a:r>
+            <a:r>
+              <a:rPr sz="2400" dirty="0" err="1"/>
+              <a:t>valeurs</a:t>
+            </a:r>
+            <a:r>
+              <a:rPr sz="2400" dirty="0"/>
+              <a:t> </a:t>
+            </a:r>
+            <a:r>
+              <a:rPr sz="2400" dirty="0" err="1"/>
+              <a:t>manquantes</a:t>
+            </a:r>
+            <a:r>
+              <a:rPr sz="2400" dirty="0"/>
+              <a:t> et </a:t>
+            </a:r>
+            <a:r>
+              <a:rPr sz="2400" dirty="0" err="1"/>
+              <a:t>créons</a:t>
+            </a:r>
+            <a:r>
+              <a:rPr sz="2400" dirty="0"/>
+              <a:t> des variables </a:t>
+            </a:r>
+            <a:r>
+              <a:rPr sz="2400" dirty="0" err="1"/>
+              <a:t>dérivées</a:t>
+            </a:r>
+            <a:r>
+              <a:rPr sz="2400" dirty="0"/>
+              <a:t>. </a:t>
+            </a:r>
+            <a:endParaRPr lang="fr-FR" sz="2400" dirty="0"/>
+          </a:p>
+          <a:p>
+            <a:pPr>
+              <a:defRPr sz="1800">
+                <a:solidFill>
+                  <a:srgbClr val="373B3F"/>
+                </a:solidFill>
+                <a:latin typeface="Calibri"/>
+              </a:defRPr>
+            </a:pPr>
+            <a:r>
+              <a:rPr sz="2400" dirty="0"/>
+              <a:t>Par </a:t>
+            </a:r>
+            <a:r>
+              <a:rPr sz="2400" dirty="0" err="1"/>
+              <a:t>exemple</a:t>
+            </a:r>
+            <a:r>
+              <a:rPr sz="2400" dirty="0"/>
+              <a:t>, la </a:t>
+            </a:r>
+            <a:r>
+              <a:rPr sz="2400" dirty="0" err="1"/>
+              <a:t>création</a:t>
+            </a:r>
+            <a:r>
+              <a:rPr sz="2400" dirty="0"/>
+              <a:t> d’un </a:t>
+            </a:r>
+            <a:r>
+              <a:rPr sz="2400" dirty="0" err="1"/>
+              <a:t>indicateur</a:t>
+            </a:r>
+            <a:r>
+              <a:rPr sz="2400" dirty="0"/>
+              <a:t> de </a:t>
+            </a:r>
+            <a:r>
+              <a:rPr sz="2400" dirty="0" err="1"/>
+              <a:t>récence</a:t>
+            </a:r>
+            <a:r>
+              <a:rPr sz="2400" dirty="0"/>
+              <a:t> </a:t>
+            </a:r>
+            <a:r>
+              <a:rPr sz="2400" dirty="0" err="1"/>
+              <a:t>améliore</a:t>
+            </a:r>
+            <a:r>
+              <a:rPr sz="2400" dirty="0"/>
+              <a:t> un </a:t>
+            </a:r>
+            <a:r>
+              <a:rPr sz="2400" dirty="0" err="1"/>
+              <a:t>modèle</a:t>
+            </a:r>
+            <a:r>
+              <a:rPr sz="2400" dirty="0"/>
+              <a:t> de churn </a:t>
+            </a:r>
+            <a:r>
+              <a:rPr sz="2400" dirty="0" err="1"/>
+              <a:t>en</a:t>
+            </a:r>
+            <a:r>
+              <a:rPr sz="2400" dirty="0"/>
+              <a:t> </a:t>
+            </a:r>
+            <a:r>
+              <a:rPr sz="2400" dirty="0" err="1"/>
+              <a:t>offrant</a:t>
+            </a:r>
+            <a:r>
+              <a:rPr sz="2400" dirty="0"/>
+              <a:t> un signal </a:t>
+            </a:r>
+            <a:r>
+              <a:rPr sz="2400" dirty="0" err="1"/>
+              <a:t>comportemental</a:t>
+            </a:r>
+            <a:r>
+              <a:rPr sz="2400" dirty="0"/>
+              <a:t> simple et puissant ensemble.</a:t>
+            </a:r>
+          </a:p>
+        </p:txBody>
+      </p:sp>
+      <p:sp>
+        <p:nvSpPr>
+          <p:cNvPr id="4" name="TextBox 3"/>
+          <p:cNvSpPr txBox="1"/>
+          <p:nvPr/>
+        </p:nvSpPr>
+        <p:spPr>
+          <a:xfrm>
+            <a:off x="9326880" y="6217920"/>
+            <a:ext cx="1097280" cy="274320"/>
+          </a:xfrm>
+          <a:prstGeom prst="rect">
+            <a:avLst/>
+          </a:prstGeom>
+          <a:noFill/>
+        </p:spPr>
+        <p:txBody>
+          <a:bodyPr wrap="none">
+            <a:spAutoFit/>
+          </a:bodyPr>
+          <a:lstStyle/>
+          <a:p>
+            <a:pPr algn="r">
+              <a:defRPr sz="1100">
+                <a:solidFill>
+                  <a:srgbClr val="787878"/>
+                </a:solidFill>
+              </a:defRPr>
+            </a:pPr>
+            <a:r>
+              <a:t>24/30</a:t>
+            </a:r>
+          </a:p>
+        </p:txBody>
+      </p:sp>
+    </p:spTree>
+  </p:cSld>
+  <p:clrMapOvr>
+    <a:masterClrMapping/>
+  </p:clrMapOvr>
+</p:sld>
+</file>
+
+<file path=ppt/slides/slide43.xml><?xml version="1.0" encoding="utf-8"?>
+<p:sld xmlns:a="http://schemas.openxmlformats.org/drawingml/2006/main" xmlns:r="http://schemas.openxmlformats.org/officeDocument/2006/relationships" xmlns:p="http://schemas.openxmlformats.org/presentationml/2006/main">
+  <p:cSld>
+    <p:spTree>
+      <p:nvGrpSpPr>
+        <p:cNvPr id="1" name=""/>
+        <p:cNvGrpSpPr/>
+        <p:nvPr/>
+      </p:nvGrpSpPr>
+      <p:grpSpPr>
+        <a:xfrm>
+          <a:off x="0" y="0"/>
+          <a:ext cx="0" cy="0"/>
+          <a:chOff x="0" y="0"/>
+          <a:chExt cx="0" cy="0"/>
+        </a:xfrm>
+      </p:grpSpPr>
+      <p:sp>
+        <p:nvSpPr>
+          <p:cNvPr id="2" name="Title 1"/>
+          <p:cNvSpPr>
+            <a:spLocks noGrp="1"/>
+          </p:cNvSpPr>
+          <p:nvPr>
+            <p:ph type="title"/>
+          </p:nvPr>
+        </p:nvSpPr>
+        <p:spPr/>
+        <p:txBody>
+          <a:bodyPr/>
+          <a:lstStyle/>
+          <a:p>
+            <a:pPr>
+              <a:defRPr sz="3400" b="1">
+                <a:solidFill>
+                  <a:srgbClr val="212529"/>
+                </a:solidFill>
+                <a:latin typeface="Calibri"/>
+              </a:defRPr>
+            </a:pPr>
+            <a:r>
+              <a:t>Cas pratique 2 : Visualisation et interprétation</a:t>
+            </a:r>
+          </a:p>
+        </p:txBody>
+      </p:sp>
+      <p:sp>
+        <p:nvSpPr>
+          <p:cNvPr id="3" name="Content Placeholder 2"/>
+          <p:cNvSpPr>
+            <a:spLocks noGrp="1"/>
+          </p:cNvSpPr>
+          <p:nvPr>
+            <p:ph idx="1"/>
+          </p:nvPr>
+        </p:nvSpPr>
+        <p:spPr/>
+        <p:txBody>
+          <a:bodyPr/>
+          <a:lstStyle/>
+          <a:p>
+            <a:endParaRPr/>
+          </a:p>
+          <a:p>
+            <a:pPr>
+              <a:defRPr sz="1800">
+                <a:solidFill>
+                  <a:srgbClr val="373B3F"/>
+                </a:solidFill>
+                <a:latin typeface="Calibri"/>
+              </a:defRPr>
+            </a:pPr>
+            <a:r>
+              <a:t>Nous construisons un tableau de bord simple avec ventes, marge et taux de retour. Par exemple, un graphique lignes par semaine révèle une saisonnalité, tandis qu’une carte met en évidence des régions sous-performantes nécessitant un plan d’actions ciblé réactif.</a:t>
+            </a:r>
+          </a:p>
+        </p:txBody>
+      </p:sp>
+      <p:pic>
+        <p:nvPicPr>
+          <p:cNvPr id="4" name="Picture 3" descr="chart_drift.png"/>
+          <p:cNvPicPr>
+            <a:picLocks noChangeAspect="1"/>
+          </p:cNvPicPr>
+          <p:nvPr/>
+        </p:nvPicPr>
+        <p:blipFill>
+          <a:blip r:embed="rId2"/>
+          <a:stretch>
+            <a:fillRect/>
+          </a:stretch>
+        </p:blipFill>
+        <p:spPr>
+          <a:xfrm>
+            <a:off x="2387398" y="3294342"/>
+            <a:ext cx="4350278" cy="2926080"/>
+          </a:xfrm>
+          <a:prstGeom prst="rect">
+            <a:avLst/>
+          </a:prstGeom>
+        </p:spPr>
+      </p:pic>
+      <p:sp>
+        <p:nvSpPr>
+          <p:cNvPr id="5" name="TextBox 4"/>
+          <p:cNvSpPr txBox="1"/>
+          <p:nvPr/>
+        </p:nvSpPr>
+        <p:spPr>
+          <a:xfrm>
+            <a:off x="9326880" y="6217920"/>
+            <a:ext cx="1097280" cy="274320"/>
+          </a:xfrm>
+          <a:prstGeom prst="rect">
+            <a:avLst/>
+          </a:prstGeom>
+          <a:noFill/>
+        </p:spPr>
+        <p:txBody>
+          <a:bodyPr wrap="none">
+            <a:spAutoFit/>
+          </a:bodyPr>
+          <a:lstStyle/>
+          <a:p>
+            <a:pPr algn="r">
+              <a:defRPr sz="1100">
+                <a:solidFill>
+                  <a:srgbClr val="787878"/>
+                </a:solidFill>
+              </a:defRPr>
+            </a:pPr>
+            <a:r>
+              <a:t>25/30</a:t>
+            </a:r>
+          </a:p>
+        </p:txBody>
+      </p:sp>
+      <p:sp>
+        <p:nvSpPr>
+          <p:cNvPr id="6" name="TextBox 5"/>
+          <p:cNvSpPr txBox="1"/>
+          <p:nvPr/>
+        </p:nvSpPr>
+        <p:spPr>
+          <a:xfrm>
+            <a:off x="5486400" y="4846320"/>
+            <a:ext cx="3657600" cy="640080"/>
+          </a:xfrm>
+          <a:prstGeom prst="rect">
+            <a:avLst/>
+          </a:prstGeom>
+          <a:noFill/>
+        </p:spPr>
+        <p:txBody>
+          <a:bodyPr wrap="none">
+            <a:spAutoFit/>
+          </a:bodyPr>
+          <a:lstStyle/>
+          <a:p>
+            <a:pPr>
+              <a:defRPr sz="1000">
+                <a:solidFill>
+                  <a:srgbClr val="646464"/>
+                </a:solidFill>
+              </a:defRPr>
+            </a:pPr>
+            <a:r>
+              <a:t>Illustration générée à partir de données simulées à des fins pédagogiques.</a:t>
+            </a:r>
+          </a:p>
+        </p:txBody>
+      </p:sp>
+    </p:spTree>
+  </p:cSld>
+  <p:clrMapOvr>
+    <a:masterClrMapping/>
+  </p:clrMapOvr>
+</p:sld>
+</file>
+
+<file path=ppt/slides/slide44.xml><?xml version="1.0" encoding="utf-8"?>
+<p:sld xmlns:a="http://schemas.openxmlformats.org/drawingml/2006/main" xmlns:r="http://schemas.openxmlformats.org/officeDocument/2006/relationships" xmlns:p="http://schemas.openxmlformats.org/presentationml/2006/main">
+  <p:cSld>
+    <p:spTree>
+      <p:nvGrpSpPr>
+        <p:cNvPr id="1" name=""/>
+        <p:cNvGrpSpPr/>
+        <p:nvPr/>
+      </p:nvGrpSpPr>
+      <p:grpSpPr>
+        <a:xfrm>
+          <a:off x="0" y="0"/>
+          <a:ext cx="0" cy="0"/>
+          <a:chOff x="0" y="0"/>
+          <a:chExt cx="0" cy="0"/>
+        </a:xfrm>
+      </p:grpSpPr>
+      <p:sp>
+        <p:nvSpPr>
+          <p:cNvPr id="2" name="Title 1"/>
+          <p:cNvSpPr>
+            <a:spLocks noGrp="1"/>
+          </p:cNvSpPr>
+          <p:nvPr>
+            <p:ph type="title"/>
+          </p:nvPr>
+        </p:nvSpPr>
+        <p:spPr/>
+        <p:txBody>
+          <a:bodyPr/>
+          <a:lstStyle/>
+          <a:p>
+            <a:pPr>
+              <a:defRPr sz="3400" b="1">
+                <a:solidFill>
+                  <a:srgbClr val="212529"/>
+                </a:solidFill>
+                <a:latin typeface="Calibri"/>
+              </a:defRPr>
+            </a:pPr>
+            <a:r>
+              <a:t>Étude de cas : projet Data Science en entreprise</a:t>
+            </a:r>
+          </a:p>
+        </p:txBody>
+      </p:sp>
+      <p:sp>
+        <p:nvSpPr>
+          <p:cNvPr id="3" name="Content Placeholder 2"/>
+          <p:cNvSpPr>
+            <a:spLocks noGrp="1"/>
+          </p:cNvSpPr>
+          <p:nvPr>
+            <p:ph idx="1"/>
+          </p:nvPr>
+        </p:nvSpPr>
+        <p:spPr/>
+        <p:txBody>
+          <a:bodyPr/>
+          <a:lstStyle/>
+          <a:p>
+            <a:endParaRPr/>
+          </a:p>
+          <a:p>
+            <a:pPr>
+              <a:defRPr sz="1800">
+                <a:solidFill>
+                  <a:srgbClr val="373B3F"/>
+                </a:solidFill>
+                <a:latin typeface="Calibri"/>
+              </a:defRPr>
+            </a:pPr>
+            <a:r>
+              <a:t>Sur un cas de prévision de demande, la consolidation des historiques et promotions a permis d’abaisser les ruptures. Par exemple, une réduction de dix pour cent des stocks dormants a été obtenue grâce à une meilleure allocation par entrepôt géographiquement adaptée efficacement.</a:t>
+            </a:r>
+          </a:p>
+        </p:txBody>
+      </p:sp>
+      <p:pic>
+        <p:nvPicPr>
+          <p:cNvPr id="4" name="Picture 3" descr="chart_confusion.png"/>
+          <p:cNvPicPr>
+            <a:picLocks noChangeAspect="1"/>
+          </p:cNvPicPr>
+          <p:nvPr/>
+        </p:nvPicPr>
+        <p:blipFill>
+          <a:blip r:embed="rId2"/>
+          <a:stretch>
+            <a:fillRect/>
+          </a:stretch>
+        </p:blipFill>
+        <p:spPr>
+          <a:xfrm>
+            <a:off x="4860032" y="3237411"/>
+            <a:ext cx="3701601" cy="2926080"/>
+          </a:xfrm>
+          <a:prstGeom prst="rect">
+            <a:avLst/>
+          </a:prstGeom>
+        </p:spPr>
+      </p:pic>
+      <p:sp>
+        <p:nvSpPr>
+          <p:cNvPr id="5" name="TextBox 4"/>
+          <p:cNvSpPr txBox="1"/>
+          <p:nvPr/>
+        </p:nvSpPr>
+        <p:spPr>
+          <a:xfrm>
+            <a:off x="9326880" y="6217920"/>
+            <a:ext cx="1097280" cy="274320"/>
+          </a:xfrm>
+          <a:prstGeom prst="rect">
+            <a:avLst/>
+          </a:prstGeom>
+          <a:noFill/>
+        </p:spPr>
+        <p:txBody>
+          <a:bodyPr wrap="none">
+            <a:spAutoFit/>
+          </a:bodyPr>
+          <a:lstStyle/>
+          <a:p>
+            <a:pPr algn="r">
+              <a:defRPr sz="1100">
+                <a:solidFill>
+                  <a:srgbClr val="787878"/>
+                </a:solidFill>
+              </a:defRPr>
+            </a:pPr>
+            <a:r>
+              <a:t>26/30</a:t>
+            </a:r>
+          </a:p>
+        </p:txBody>
+      </p:sp>
+      <p:sp>
+        <p:nvSpPr>
+          <p:cNvPr id="6" name="TextBox 5"/>
+          <p:cNvSpPr txBox="1"/>
+          <p:nvPr/>
+        </p:nvSpPr>
+        <p:spPr>
+          <a:xfrm>
+            <a:off x="5486400" y="4846320"/>
+            <a:ext cx="3657600" cy="640080"/>
+          </a:xfrm>
+          <a:prstGeom prst="rect">
+            <a:avLst/>
+          </a:prstGeom>
+          <a:noFill/>
+        </p:spPr>
+        <p:txBody>
+          <a:bodyPr wrap="none">
+            <a:spAutoFit/>
+          </a:bodyPr>
+          <a:lstStyle/>
+          <a:p>
+            <a:pPr>
+              <a:defRPr sz="1000">
+                <a:solidFill>
+                  <a:srgbClr val="646464"/>
+                </a:solidFill>
+              </a:defRPr>
+            </a:pPr>
+            <a:r>
+              <a:t>Illustration générée à partir de données simulées à des fins pédagogiques.</a:t>
+            </a:r>
+          </a:p>
+        </p:txBody>
+      </p:sp>
+    </p:spTree>
+  </p:cSld>
+  <p:clrMapOvr>
+    <a:masterClrMapping/>
+  </p:clrMapOvr>
+</p:sld>
+</file>
+
+<file path=ppt/slides/slide45.xml><?xml version="1.0" encoding="utf-8"?>
+<p:sld xmlns:a="http://schemas.openxmlformats.org/drawingml/2006/main" xmlns:r="http://schemas.openxmlformats.org/officeDocument/2006/relationships" xmlns:p="http://schemas.openxmlformats.org/presentationml/2006/main">
+  <p:cSld>
+    <p:spTree>
+      <p:nvGrpSpPr>
+        <p:cNvPr id="1" name=""/>
+        <p:cNvGrpSpPr/>
+        <p:nvPr/>
+      </p:nvGrpSpPr>
+      <p:grpSpPr>
+        <a:xfrm>
+          <a:off x="0" y="0"/>
+          <a:ext cx="0" cy="0"/>
+          <a:chOff x="0" y="0"/>
+          <a:chExt cx="0" cy="0"/>
+        </a:xfrm>
+      </p:grpSpPr>
+      <p:sp>
+        <p:nvSpPr>
+          <p:cNvPr id="2" name="Title 1"/>
+          <p:cNvSpPr>
+            <a:spLocks noGrp="1"/>
+          </p:cNvSpPr>
+          <p:nvPr>
+            <p:ph type="title"/>
+          </p:nvPr>
+        </p:nvSpPr>
+        <p:spPr/>
+        <p:txBody>
+          <a:bodyPr/>
+          <a:lstStyle/>
+          <a:p>
+            <a:pPr>
+              <a:defRPr sz="3400" b="1">
+                <a:solidFill>
+                  <a:srgbClr val="212529"/>
+                </a:solidFill>
+                <a:latin typeface="Calibri"/>
+              </a:defRPr>
+            </a:pPr>
+            <a:r>
+              <a:t>Retour d’expérience : erreurs fréquentes</a:t>
+            </a:r>
+          </a:p>
+        </p:txBody>
+      </p:sp>
+      <p:sp>
+        <p:nvSpPr>
+          <p:cNvPr id="3" name="Content Placeholder 2"/>
+          <p:cNvSpPr>
+            <a:spLocks noGrp="1"/>
+          </p:cNvSpPr>
+          <p:nvPr>
+            <p:ph idx="1"/>
+          </p:nvPr>
+        </p:nvSpPr>
+        <p:spPr/>
+        <p:txBody>
+          <a:bodyPr/>
+          <a:lstStyle/>
+          <a:p>
+            <a:endParaRPr sz="4800" dirty="0"/>
+          </a:p>
+          <a:p>
+            <a:pPr>
+              <a:defRPr sz="1800">
+                <a:solidFill>
+                  <a:srgbClr val="373B3F"/>
+                </a:solidFill>
+                <a:latin typeface="Calibri"/>
+              </a:defRPr>
+            </a:pPr>
+            <a:r>
+              <a:rPr sz="2400" dirty="0"/>
+              <a:t>Les </a:t>
+            </a:r>
+            <a:r>
+              <a:rPr sz="2400" dirty="0" err="1"/>
+              <a:t>écueils</a:t>
+            </a:r>
+            <a:r>
+              <a:rPr sz="2400" dirty="0"/>
+              <a:t> </a:t>
+            </a:r>
+            <a:r>
+              <a:rPr sz="2400" dirty="0" err="1"/>
+              <a:t>récurrents</a:t>
+            </a:r>
+            <a:r>
+              <a:rPr sz="2400" dirty="0"/>
+              <a:t> </a:t>
+            </a:r>
+            <a:r>
+              <a:rPr sz="2400" dirty="0" err="1"/>
+              <a:t>incluent</a:t>
+            </a:r>
+            <a:r>
+              <a:rPr sz="2400" dirty="0"/>
+              <a:t> la </a:t>
+            </a:r>
+            <a:r>
+              <a:rPr sz="2400" dirty="0" err="1"/>
+              <a:t>fuite</a:t>
+            </a:r>
+            <a:r>
+              <a:rPr sz="2400" dirty="0"/>
+              <a:t> de </a:t>
+            </a:r>
+            <a:r>
+              <a:rPr sz="2400" dirty="0" err="1"/>
+              <a:t>cibles</a:t>
+            </a:r>
+            <a:r>
+              <a:rPr sz="2400" dirty="0"/>
+              <a:t>, </a:t>
+            </a:r>
+            <a:r>
+              <a:rPr sz="2400" dirty="0" err="1"/>
+              <a:t>l’échantillon</a:t>
+            </a:r>
+            <a:r>
+              <a:rPr sz="2400" dirty="0"/>
+              <a:t> non </a:t>
+            </a:r>
+            <a:r>
+              <a:rPr sz="2400" dirty="0" err="1"/>
+              <a:t>représentatif</a:t>
+            </a:r>
+            <a:r>
+              <a:rPr sz="2400" dirty="0"/>
+              <a:t> et la </a:t>
+            </a:r>
+            <a:r>
+              <a:rPr sz="2400" dirty="0" err="1"/>
+              <a:t>métrique</a:t>
+            </a:r>
+            <a:r>
+              <a:rPr sz="2400" dirty="0"/>
+              <a:t> </a:t>
+            </a:r>
+            <a:r>
+              <a:rPr sz="2400" dirty="0" err="1"/>
+              <a:t>inadéquate</a:t>
+            </a:r>
+            <a:r>
+              <a:rPr sz="2400" dirty="0"/>
+              <a:t>. </a:t>
+            </a:r>
+            <a:endParaRPr lang="fr-FR" sz="2400" dirty="0"/>
+          </a:p>
+          <a:p>
+            <a:pPr>
+              <a:defRPr sz="1800">
+                <a:solidFill>
+                  <a:srgbClr val="373B3F"/>
+                </a:solidFill>
+                <a:latin typeface="Calibri"/>
+              </a:defRPr>
+            </a:pPr>
+            <a:r>
+              <a:rPr sz="2400" dirty="0"/>
+              <a:t>Par </a:t>
+            </a:r>
+            <a:r>
+              <a:rPr sz="2400" dirty="0" err="1"/>
+              <a:t>exemple</a:t>
+            </a:r>
+            <a:r>
+              <a:rPr sz="2400" dirty="0"/>
+              <a:t>, </a:t>
+            </a:r>
+            <a:r>
+              <a:rPr sz="2400" dirty="0" err="1"/>
+              <a:t>optimiser</a:t>
+            </a:r>
+            <a:r>
+              <a:rPr sz="2400" dirty="0"/>
+              <a:t> </a:t>
+            </a:r>
+            <a:r>
+              <a:rPr sz="2400" dirty="0" err="1"/>
+              <a:t>une</a:t>
+            </a:r>
+            <a:r>
+              <a:rPr sz="2400" dirty="0"/>
+              <a:t> </a:t>
+            </a:r>
+            <a:r>
+              <a:rPr sz="2400" dirty="0" err="1"/>
+              <a:t>précision</a:t>
+            </a:r>
+            <a:r>
+              <a:rPr sz="2400" dirty="0"/>
+              <a:t> </a:t>
+            </a:r>
+            <a:r>
+              <a:rPr sz="2400" dirty="0" err="1"/>
+              <a:t>globale</a:t>
+            </a:r>
+            <a:r>
+              <a:rPr sz="2400" dirty="0"/>
+              <a:t> sur données </a:t>
+            </a:r>
+            <a:r>
+              <a:rPr sz="2400" dirty="0" err="1"/>
+              <a:t>déséquilibrées</a:t>
+            </a:r>
+            <a:r>
+              <a:rPr sz="2400" dirty="0"/>
+              <a:t> masque les faux </a:t>
+            </a:r>
+            <a:r>
+              <a:rPr sz="2400" dirty="0" err="1"/>
+              <a:t>négatifs</a:t>
+            </a:r>
+            <a:r>
+              <a:rPr sz="2400" dirty="0"/>
+              <a:t> critiques pour </a:t>
+            </a:r>
+            <a:r>
+              <a:rPr sz="2400" dirty="0" err="1"/>
+              <a:t>l’activité</a:t>
+            </a:r>
+            <a:r>
+              <a:rPr sz="2400" dirty="0"/>
+              <a:t>, </a:t>
+            </a:r>
+            <a:r>
+              <a:rPr sz="2400" dirty="0" err="1"/>
+              <a:t>provoquant</a:t>
+            </a:r>
+            <a:r>
+              <a:rPr sz="2400" dirty="0"/>
+              <a:t> des </a:t>
+            </a:r>
+            <a:r>
+              <a:rPr sz="2400" dirty="0" err="1"/>
+              <a:t>décisions</a:t>
+            </a:r>
+            <a:r>
+              <a:rPr sz="2400" dirty="0"/>
+              <a:t> </a:t>
+            </a:r>
+            <a:r>
+              <a:rPr sz="2400" dirty="0" err="1"/>
+              <a:t>risquées</a:t>
+            </a:r>
+            <a:r>
+              <a:rPr sz="2400" dirty="0"/>
+              <a:t> ensuite.</a:t>
+            </a:r>
+          </a:p>
+        </p:txBody>
+      </p:sp>
+      <p:sp>
+        <p:nvSpPr>
+          <p:cNvPr id="4" name="TextBox 3"/>
+          <p:cNvSpPr txBox="1"/>
+          <p:nvPr/>
+        </p:nvSpPr>
+        <p:spPr>
+          <a:xfrm>
+            <a:off x="9326880" y="6217920"/>
+            <a:ext cx="1097280" cy="274320"/>
+          </a:xfrm>
+          <a:prstGeom prst="rect">
+            <a:avLst/>
+          </a:prstGeom>
+          <a:noFill/>
+        </p:spPr>
+        <p:txBody>
+          <a:bodyPr wrap="none">
+            <a:spAutoFit/>
+          </a:bodyPr>
+          <a:lstStyle/>
+          <a:p>
+            <a:pPr algn="r">
+              <a:defRPr sz="1100">
+                <a:solidFill>
+                  <a:srgbClr val="787878"/>
+                </a:solidFill>
+              </a:defRPr>
+            </a:pPr>
+            <a:r>
+              <a:t>27/30</a:t>
+            </a:r>
+          </a:p>
+        </p:txBody>
+      </p:sp>
+    </p:spTree>
+  </p:cSld>
+  <p:clrMapOvr>
+    <a:masterClrMapping/>
+  </p:clrMapOvr>
+</p:sld>
+</file>
+
+<file path=ppt/slides/slide46.xml><?xml version="1.0" encoding="utf-8"?>
+<p:sld xmlns:a="http://schemas.openxmlformats.org/drawingml/2006/main" xmlns:r="http://schemas.openxmlformats.org/officeDocument/2006/relationships" xmlns:p="http://schemas.openxmlformats.org/presentationml/2006/main">
+  <p:cSld>
+    <p:spTree>
+      <p:nvGrpSpPr>
+        <p:cNvPr id="1" name=""/>
+        <p:cNvGrpSpPr/>
+        <p:nvPr/>
+      </p:nvGrpSpPr>
+      <p:grpSpPr>
+        <a:xfrm>
+          <a:off x="0" y="0"/>
+          <a:ext cx="0" cy="0"/>
+          <a:chOff x="0" y="0"/>
+          <a:chExt cx="0" cy="0"/>
+        </a:xfrm>
+      </p:grpSpPr>
+      <p:sp>
+        <p:nvSpPr>
+          <p:cNvPr id="2" name="Title 1"/>
+          <p:cNvSpPr>
+            <a:spLocks noGrp="1"/>
+          </p:cNvSpPr>
+          <p:nvPr>
+            <p:ph type="title"/>
+          </p:nvPr>
+        </p:nvSpPr>
+        <p:spPr/>
+        <p:txBody>
+          <a:bodyPr/>
+          <a:lstStyle/>
+          <a:p>
+            <a:pPr>
+              <a:defRPr sz="3400" b="1">
+                <a:solidFill>
+                  <a:srgbClr val="212529"/>
+                </a:solidFill>
+                <a:latin typeface="Calibri"/>
+              </a:defRPr>
+            </a:pPr>
+            <a:r>
+              <a:t>Gouvernance &amp; conformité (RGPD, sécurité)</a:t>
+            </a:r>
+          </a:p>
+        </p:txBody>
+      </p:sp>
+      <p:sp>
+        <p:nvSpPr>
+          <p:cNvPr id="3" name="Content Placeholder 2"/>
+          <p:cNvSpPr>
+            <a:spLocks noGrp="1"/>
+          </p:cNvSpPr>
+          <p:nvPr>
+            <p:ph idx="1"/>
+          </p:nvPr>
+        </p:nvSpPr>
+        <p:spPr/>
+        <p:txBody>
+          <a:bodyPr/>
+          <a:lstStyle/>
+          <a:p>
+            <a:endParaRPr sz="3600" dirty="0"/>
+          </a:p>
+          <a:p>
+            <a:pPr>
+              <a:defRPr sz="1800">
+                <a:solidFill>
+                  <a:srgbClr val="373B3F"/>
+                </a:solidFill>
+                <a:latin typeface="Calibri"/>
+              </a:defRPr>
+            </a:pPr>
+            <a:r>
+              <a:rPr sz="2400" dirty="0"/>
+              <a:t>Assurer base </a:t>
+            </a:r>
+            <a:r>
+              <a:rPr sz="2400" dirty="0" err="1"/>
+              <a:t>légale</a:t>
+            </a:r>
+            <a:r>
+              <a:rPr sz="2400" dirty="0"/>
+              <a:t>, </a:t>
+            </a:r>
+            <a:r>
+              <a:rPr sz="2400" dirty="0" err="1"/>
+              <a:t>minimisation</a:t>
+            </a:r>
+            <a:r>
+              <a:rPr sz="2400" dirty="0"/>
+              <a:t> et droits des </a:t>
+            </a:r>
+            <a:r>
+              <a:rPr sz="2400" dirty="0" err="1"/>
+              <a:t>personnes</a:t>
+            </a:r>
+            <a:r>
+              <a:rPr sz="2400" dirty="0"/>
+              <a:t>, avec </a:t>
+            </a:r>
+            <a:r>
+              <a:rPr sz="2400" dirty="0" err="1"/>
+              <a:t>sécurité</a:t>
+            </a:r>
+            <a:r>
+              <a:rPr sz="2400" dirty="0"/>
+              <a:t> </a:t>
+            </a:r>
+            <a:r>
+              <a:rPr sz="2400" dirty="0" err="1"/>
+              <a:t>d’accès</a:t>
+            </a:r>
+            <a:r>
+              <a:rPr sz="2400" dirty="0"/>
+              <a:t> et </a:t>
+            </a:r>
+            <a:r>
+              <a:rPr sz="2400" dirty="0" err="1"/>
+              <a:t>journalisation</a:t>
+            </a:r>
+            <a:r>
+              <a:rPr sz="2400" dirty="0"/>
+              <a:t>. </a:t>
+            </a:r>
+            <a:endParaRPr lang="fr-FR" sz="2400" dirty="0"/>
+          </a:p>
+          <a:p>
+            <a:pPr>
+              <a:defRPr sz="1800">
+                <a:solidFill>
+                  <a:srgbClr val="373B3F"/>
+                </a:solidFill>
+                <a:latin typeface="Calibri"/>
+              </a:defRPr>
+            </a:pPr>
+            <a:r>
+              <a:rPr sz="2400" dirty="0"/>
+              <a:t>Par </a:t>
+            </a:r>
+            <a:r>
+              <a:rPr sz="2400" dirty="0" err="1"/>
+              <a:t>exemple</a:t>
+            </a:r>
+            <a:r>
+              <a:rPr sz="2400" dirty="0"/>
+              <a:t>, </a:t>
+            </a:r>
+            <a:r>
+              <a:rPr sz="2400" dirty="0" err="1"/>
+              <a:t>pseudonymiser</a:t>
+            </a:r>
+            <a:r>
+              <a:rPr sz="2400" dirty="0"/>
+              <a:t> les </a:t>
+            </a:r>
+            <a:r>
+              <a:rPr sz="2400" dirty="0" err="1"/>
+              <a:t>identifiants</a:t>
+            </a:r>
+            <a:r>
+              <a:rPr sz="2400" dirty="0"/>
+              <a:t> clients </a:t>
+            </a:r>
+            <a:r>
+              <a:rPr sz="2400" dirty="0" err="1"/>
+              <a:t>en</a:t>
+            </a:r>
+            <a:r>
+              <a:rPr sz="2400" dirty="0"/>
+              <a:t> sandbox </a:t>
+            </a:r>
+            <a:r>
+              <a:rPr sz="2400" dirty="0" err="1"/>
+              <a:t>permet</a:t>
+            </a:r>
+            <a:r>
+              <a:rPr sz="2400" dirty="0"/>
+              <a:t> </a:t>
+            </a:r>
+            <a:r>
+              <a:rPr sz="2400" dirty="0" err="1"/>
+              <a:t>l’exploration</a:t>
+            </a:r>
+            <a:r>
+              <a:rPr sz="2400" dirty="0"/>
+              <a:t> des données sans exposition inutile </a:t>
+            </a:r>
+            <a:r>
+              <a:rPr sz="2400" dirty="0" err="1"/>
+              <a:t>d’informations</a:t>
+            </a:r>
+            <a:r>
+              <a:rPr sz="2400" dirty="0"/>
+              <a:t> </a:t>
+            </a:r>
+            <a:r>
+              <a:rPr sz="2400" dirty="0" err="1"/>
+              <a:t>personnelles</a:t>
+            </a:r>
+            <a:r>
+              <a:rPr sz="2400" dirty="0"/>
+              <a:t> </a:t>
+            </a:r>
+            <a:r>
+              <a:rPr sz="2400" dirty="0" err="1"/>
+              <a:t>sensibles</a:t>
+            </a:r>
+            <a:r>
+              <a:rPr sz="2400" dirty="0"/>
+              <a:t> </a:t>
+            </a:r>
+            <a:r>
+              <a:rPr sz="2400" dirty="0" err="1"/>
+              <a:t>effectivement</a:t>
+            </a:r>
+            <a:r>
+              <a:rPr sz="2400" dirty="0"/>
+              <a:t>.</a:t>
+            </a:r>
+          </a:p>
+        </p:txBody>
+      </p:sp>
+      <p:sp>
+        <p:nvSpPr>
+          <p:cNvPr id="4" name="TextBox 3"/>
+          <p:cNvSpPr txBox="1"/>
+          <p:nvPr/>
+        </p:nvSpPr>
+        <p:spPr>
+          <a:xfrm>
+            <a:off x="9326880" y="6217920"/>
+            <a:ext cx="1097280" cy="274320"/>
+          </a:xfrm>
+          <a:prstGeom prst="rect">
+            <a:avLst/>
+          </a:prstGeom>
+          <a:noFill/>
+        </p:spPr>
+        <p:txBody>
+          <a:bodyPr wrap="none">
+            <a:spAutoFit/>
+          </a:bodyPr>
+          <a:lstStyle/>
+          <a:p>
+            <a:pPr algn="r">
+              <a:defRPr sz="1100">
+                <a:solidFill>
+                  <a:srgbClr val="787878"/>
+                </a:solidFill>
+              </a:defRPr>
+            </a:pPr>
+            <a:r>
+              <a:t>28/30</a:t>
+            </a:r>
+          </a:p>
+        </p:txBody>
+      </p:sp>
+    </p:spTree>
+  </p:cSld>
+  <p:clrMapOvr>
+    <a:masterClrMapping/>
+  </p:clrMapOvr>
+</p:sld>
+</file>
+
 <file path=ppt/slides/slide5.xml><?xml version="1.0" encoding="utf-8"?>
 <p:sld xmlns:a="http://schemas.openxmlformats.org/drawingml/2006/main" xmlns:r="http://schemas.openxmlformats.org/officeDocument/2006/relationships" xmlns:p="http://schemas.openxmlformats.org/presentationml/2006/main">
   <p:cSld>
@@ -7708,6 +10795,101 @@
 </file>
 
 <file path=ppt/slides/slide6.xml><?xml version="1.0" encoding="utf-8"?>
+<p:sld xmlns:a="http://schemas.openxmlformats.org/drawingml/2006/main" xmlns:r="http://schemas.openxmlformats.org/officeDocument/2006/relationships" xmlns:p="http://schemas.openxmlformats.org/presentationml/2006/main">
+  <p:cSld>
+    <p:spTree>
+      <p:nvGrpSpPr>
+        <p:cNvPr id="1" name=""/>
+        <p:cNvGrpSpPr/>
+        <p:nvPr/>
+      </p:nvGrpSpPr>
+      <p:grpSpPr>
+        <a:xfrm>
+          <a:off x="0" y="0"/>
+          <a:ext cx="0" cy="0"/>
+          <a:chOff x="0" y="0"/>
+          <a:chExt cx="0" cy="0"/>
+        </a:xfrm>
+      </p:grpSpPr>
+      <p:sp>
+        <p:nvSpPr>
+          <p:cNvPr id="2" name="Titre 1">
+            <a:extLst>
+              <a:ext uri="{FF2B5EF4-FFF2-40B4-BE49-F238E27FC236}">
+                <a16:creationId xmlns:a16="http://schemas.microsoft.com/office/drawing/2014/main" id="{93F4FA3E-7C3F-E888-DD02-8A2AAF4AEC5A}"/>
+              </a:ext>
+            </a:extLst>
+          </p:cNvPr>
+          <p:cNvSpPr>
+            <a:spLocks noGrp="1"/>
+          </p:cNvSpPr>
+          <p:nvPr>
+            <p:ph type="title"/>
+          </p:nvPr>
+        </p:nvSpPr>
+        <p:spPr/>
+        <p:txBody>
+          <a:bodyPr/>
+          <a:lstStyle/>
+          <a:p>
+            <a:r>
+              <a:rPr lang="fr-FR" dirty="0"/>
+              <a:t>Principes clés</a:t>
+            </a:r>
+          </a:p>
+        </p:txBody>
+      </p:sp>
+      <p:sp>
+        <p:nvSpPr>
+          <p:cNvPr id="3" name="Espace réservé du contenu 2">
+            <a:extLst>
+              <a:ext uri="{FF2B5EF4-FFF2-40B4-BE49-F238E27FC236}">
+                <a16:creationId xmlns:a16="http://schemas.microsoft.com/office/drawing/2014/main" id="{C341DEB1-4AC9-C261-B8EE-1AE20567A6DE}"/>
+              </a:ext>
+            </a:extLst>
+          </p:cNvPr>
+          <p:cNvSpPr>
+            <a:spLocks noGrp="1"/>
+          </p:cNvSpPr>
+          <p:nvPr>
+            <p:ph idx="1"/>
+          </p:nvPr>
+        </p:nvSpPr>
+        <p:spPr/>
+        <p:txBody>
+          <a:bodyPr/>
+          <a:lstStyle/>
+          <a:p>
+            <a:r>
+              <a:rPr lang="fr-FR" dirty="0"/>
+              <a:t>Définir clairement le problème métier, formuler des hypothèses, sélectionner des variables pertinentes et expérimenter itérativement</a:t>
+            </a:r>
+          </a:p>
+          <a:p>
+            <a:r>
+              <a:rPr lang="fr-FR" dirty="0"/>
+              <a:t>Par exemple, segmenter des clients par comportements d’achat peut guider les campagnes marketing, réduire les coûts et améliorer la satisfaction mesurée après déploiement.</a:t>
+            </a:r>
+          </a:p>
+          <a:p>
+            <a:endParaRPr lang="fr-FR" dirty="0"/>
+          </a:p>
+        </p:txBody>
+      </p:sp>
+    </p:spTree>
+    <p:extLst>
+      <p:ext uri="{BB962C8B-B14F-4D97-AF65-F5344CB8AC3E}">
+        <p14:creationId xmlns:p14="http://schemas.microsoft.com/office/powerpoint/2010/main" val="2319305578"/>
+      </p:ext>
+    </p:extLst>
+  </p:cSld>
+  <p:clrMapOvr>
+    <a:masterClrMapping/>
+  </p:clrMapOvr>
+</p:sld>
+</file>
+
+<file path=ppt/slides/slide7.xml><?xml version="1.0" encoding="utf-8"?>
 <p:sld xmlns:a="http://schemas.openxmlformats.org/drawingml/2006/main" xmlns:r="http://schemas.openxmlformats.org/officeDocument/2006/relationships" xmlns:p="http://schemas.openxmlformats.org/presentationml/2006/main">
   <p:cSld>
     <p:spTree>
@@ -7799,108 +10981,6 @@
 </p:sld>
 </file>
 
-<file path=ppt/slides/slide7.xml><?xml version="1.0" encoding="utf-8"?>
-<p:sld xmlns:a="http://schemas.openxmlformats.org/drawingml/2006/main" xmlns:r="http://schemas.openxmlformats.org/officeDocument/2006/relationships" xmlns:p="http://schemas.openxmlformats.org/presentationml/2006/main">
-  <p:cSld>
-    <p:spTree>
-      <p:nvGrpSpPr>
-        <p:cNvPr id="1" name=""/>
-        <p:cNvGrpSpPr/>
-        <p:nvPr/>
-      </p:nvGrpSpPr>
-      <p:grpSpPr>
-        <a:xfrm>
-          <a:off x="0" y="0"/>
-          <a:ext cx="0" cy="0"/>
-          <a:chOff x="0" y="0"/>
-          <a:chExt cx="0" cy="0"/>
-        </a:xfrm>
-      </p:grpSpPr>
-      <p:sp>
-        <p:nvSpPr>
-          <p:cNvPr id="2" name="Titre 1"/>
-          <p:cNvSpPr>
-            <a:spLocks noGrp="1"/>
-          </p:cNvSpPr>
-          <p:nvPr>
-            <p:ph type="title"/>
-          </p:nvPr>
-        </p:nvSpPr>
-        <p:spPr/>
-        <p:txBody>
-          <a:bodyPr/>
-          <a:lstStyle/>
-          <a:p>
-            <a:r>
-              <a:rPr lang="fr-FR" dirty="0"/>
-              <a:t>Les langages</a:t>
-            </a:r>
-          </a:p>
-        </p:txBody>
-      </p:sp>
-      <p:sp>
-        <p:nvSpPr>
-          <p:cNvPr id="3" name="Espace réservé du contenu 2"/>
-          <p:cNvSpPr>
-            <a:spLocks noGrp="1"/>
-          </p:cNvSpPr>
-          <p:nvPr>
-            <p:ph idx="1"/>
-          </p:nvPr>
-        </p:nvSpPr>
-        <p:spPr/>
-        <p:txBody>
-          <a:bodyPr/>
-          <a:lstStyle/>
-          <a:p>
-            <a:r>
-              <a:rPr lang="fr-FR" dirty="0"/>
-              <a:t>Les "nouveaux"</a:t>
-            </a:r>
-          </a:p>
-          <a:p>
-            <a:pPr lvl="1"/>
-            <a:r>
-              <a:rPr lang="fr-FR" dirty="0"/>
-              <a:t>Python, R, Scala, </a:t>
-            </a:r>
-            <a:r>
-              <a:rPr lang="fr-FR" dirty="0" err="1"/>
-              <a:t>Kotlin</a:t>
-            </a:r>
-            <a:r>
-              <a:rPr lang="fr-FR" dirty="0"/>
-              <a:t>, Julia, …</a:t>
-            </a:r>
-          </a:p>
-          <a:p>
-            <a:r>
-              <a:rPr lang="fr-FR" dirty="0"/>
-              <a:t>Les "anciens"</a:t>
-            </a:r>
-          </a:p>
-          <a:p>
-            <a:pPr lvl="1"/>
-            <a:r>
-              <a:rPr lang="fr-FR" dirty="0"/>
-              <a:t>Java, C#</a:t>
-            </a:r>
-          </a:p>
-        </p:txBody>
-      </p:sp>
-    </p:spTree>
-    <p:extLst>
-      <p:ext uri="{BB962C8B-B14F-4D97-AF65-F5344CB8AC3E}">
-        <p14:creationId xmlns:p14="http://schemas.microsoft.com/office/powerpoint/2010/main" val="3006852767"/>
-      </p:ext>
-    </p:extLst>
-  </p:cSld>
-  <p:clrMapOvr>
-    <a:masterClrMapping/>
-  </p:clrMapOvr>
-</p:sld>
-</file>
-
 <file path=ppt/slides/slide8.xml><?xml version="1.0" encoding="utf-8"?>
 <p:sld xmlns:a="http://schemas.openxmlformats.org/drawingml/2006/main" xmlns:r="http://schemas.openxmlformats.org/officeDocument/2006/relationships" xmlns:p="http://schemas.openxmlformats.org/presentationml/2006/main">
   <p:cSld>
@@ -7920,7 +11000,13 @@
       </p:grpSpPr>
       <p:sp>
         <p:nvSpPr>
-          <p:cNvPr id="2" name="Titre 1"/>
+          <p:cNvPr id="2" name="Titre 1">
+            <a:extLst>
+              <a:ext uri="{FF2B5EF4-FFF2-40B4-BE49-F238E27FC236}">
+                <a16:creationId xmlns:a16="http://schemas.microsoft.com/office/drawing/2014/main" id="{03F4F412-FE86-3C0B-251C-574B341D8744}"/>
+              </a:ext>
+            </a:extLst>
+          </p:cNvPr>
           <p:cNvSpPr>
             <a:spLocks noGrp="1"/>
           </p:cNvSpPr>
@@ -7935,19 +11021,20 @@
           <a:p>
             <a:r>
               <a:rPr lang="fr-FR" dirty="0"/>
-              <a:t>Data </a:t>
-            </a:r>
-            <a:r>
-              <a:rPr lang="fr-FR" dirty="0" err="1"/>
-              <a:t>Scientist</a:t>
-            </a:r>
-            <a:endParaRPr lang="fr-FR" dirty="0"/>
-          </a:p>
-        </p:txBody>
-      </p:sp>
-      <p:sp>
-        <p:nvSpPr>
-          <p:cNvPr id="3" name="Espace réservé du contenu 2"/>
+              <a:t>Data Management</a:t>
+            </a:r>
+          </a:p>
+        </p:txBody>
+      </p:sp>
+      <p:sp>
+        <p:nvSpPr>
+          <p:cNvPr id="3" name="Espace réservé du contenu 2">
+            <a:extLst>
+              <a:ext uri="{FF2B5EF4-FFF2-40B4-BE49-F238E27FC236}">
+                <a16:creationId xmlns:a16="http://schemas.microsoft.com/office/drawing/2014/main" id="{0FC61D73-0EB1-695C-EB2E-3355859FB794}"/>
+              </a:ext>
+            </a:extLst>
+          </p:cNvPr>
           <p:cNvSpPr>
             <a:spLocks noGrp="1"/>
           </p:cNvSpPr>
@@ -7962,29 +11049,8 @@
           <a:p>
             <a:r>
               <a:rPr lang="fr-FR" dirty="0"/>
-              <a:t>Le premier objectif du data </a:t>
-            </a:r>
-            <a:r>
-              <a:rPr lang="fr-FR" dirty="0" err="1"/>
-              <a:t>scientist</a:t>
-            </a:r>
-            <a:r>
-              <a:rPr lang="fr-FR" dirty="0"/>
-              <a:t> est de produire des méthodes (automatisées, autant que possible) de tri et d'analyse de données de masse et de sources plus ou moins complexes ou disjointes de données, afin d'en extraire des informations utiles ou potentiellement utiles</a:t>
-            </a:r>
-          </a:p>
-          <a:p>
-            <a:r>
-              <a:rPr lang="fr-FR" dirty="0"/>
-              <a:t>Terme inventé en 2001 par William Cleveland</a:t>
-            </a:r>
-          </a:p>
-          <a:p>
-            <a:r>
-              <a:rPr lang="en-US" dirty="0"/>
-              <a:t>Data Scientist (n.): Person who is better at statistics than any software engineer and better at software engineering than any statistician</a:t>
-            </a:r>
-            <a:endParaRPr lang="fr-FR" dirty="0"/>
+              <a:t>La gestion des données couvre l’ensemble des activités de collecte, stockage, préparation et utilisation. Une approche structurée permet d’améliorer la décision, renforcer la conformité et industrialiser les usages analytiques et d’intelligence artificielle dans l’entreprise, de façon mesurable.</a:t>
+            </a:r>
           </a:p>
           <a:p>
             <a:endParaRPr lang="fr-FR" dirty="0"/>
@@ -7994,7 +11060,7 @@
     </p:spTree>
     <p:extLst>
       <p:ext uri="{BB962C8B-B14F-4D97-AF65-F5344CB8AC3E}">
-        <p14:creationId xmlns:p14="http://schemas.microsoft.com/office/powerpoint/2010/main" val="2049857567"/>
+        <p14:creationId xmlns:p14="http://schemas.microsoft.com/office/powerpoint/2010/main" val="1157520552"/>
       </p:ext>
     </p:extLst>
   </p:cSld>
@@ -8023,7 +11089,7 @@
       </p:grpSpPr>
       <p:sp>
         <p:nvSpPr>
-          <p:cNvPr id="2" name="Titre 1"/>
+          <p:cNvPr id="2" name="Title 1"/>
           <p:cNvSpPr>
             <a:spLocks noGrp="1"/>
           </p:cNvSpPr>
@@ -8036,16 +11102,23 @@
           <a:bodyPr/>
           <a:lstStyle/>
           <a:p>
-            <a:r>
-              <a:rPr lang="fr-FR" dirty="0"/>
-              <a:t>But</a:t>
-            </a:r>
-          </a:p>
-        </p:txBody>
-      </p:sp>
-      <p:sp>
-        <p:nvSpPr>
-          <p:cNvPr id="3" name="Espace réservé du contenu 2"/>
+            <a:pPr>
+              <a:defRPr sz="3400" b="1">
+                <a:solidFill>
+                  <a:srgbClr val="212529"/>
+                </a:solidFill>
+                <a:latin typeface="Calibri"/>
+              </a:defRPr>
+            </a:pPr>
+            <a:r>
+              <a:t>Pourquoi la donnée est stratégique aujourd’hui ?</a:t>
+            </a:r>
+          </a:p>
+        </p:txBody>
+      </p:sp>
+      <p:sp>
+        <p:nvSpPr>
+          <p:cNvPr id="3" name="Content Placeholder 2"/>
           <p:cNvSpPr>
             <a:spLocks noGrp="1"/>
           </p:cNvSpPr>
@@ -8053,74 +11126,252 @@
             <p:ph idx="1"/>
           </p:nvPr>
         </p:nvSpPr>
+        <p:spPr/>
+        <p:txBody>
+          <a:bodyPr/>
+          <a:lstStyle/>
+          <a:p>
+            <a:pPr>
+              <a:defRPr sz="1800">
+                <a:solidFill>
+                  <a:srgbClr val="373B3F"/>
+                </a:solidFill>
+                <a:latin typeface="Calibri"/>
+              </a:defRPr>
+            </a:pPr>
+            <a:r>
+              <a:rPr sz="2400" dirty="0"/>
+              <a:t>La donnée </a:t>
+            </a:r>
+            <a:r>
+              <a:rPr sz="2400" dirty="0" err="1"/>
+              <a:t>crée</a:t>
+            </a:r>
+            <a:r>
+              <a:rPr sz="2400" dirty="0"/>
+              <a:t> un </a:t>
+            </a:r>
+            <a:r>
+              <a:rPr sz="2400" dirty="0" err="1"/>
+              <a:t>avantage</a:t>
+            </a:r>
+            <a:r>
+              <a:rPr sz="2400" dirty="0"/>
+              <a:t> </a:t>
+            </a:r>
+            <a:r>
+              <a:rPr sz="2400" dirty="0" err="1"/>
+              <a:t>compétitif</a:t>
+            </a:r>
+            <a:r>
+              <a:rPr sz="2400" dirty="0"/>
+              <a:t> </a:t>
+            </a:r>
+            <a:r>
+              <a:rPr sz="2400" dirty="0" err="1"/>
+              <a:t>en</a:t>
+            </a:r>
+            <a:r>
+              <a:rPr sz="2400" dirty="0"/>
+              <a:t> </a:t>
+            </a:r>
+            <a:r>
+              <a:rPr sz="2400" dirty="0" err="1"/>
+              <a:t>réduisant</a:t>
+            </a:r>
+            <a:r>
+              <a:rPr sz="2400" dirty="0"/>
+              <a:t> le temps </a:t>
+            </a:r>
+            <a:r>
+              <a:rPr sz="2400" dirty="0" err="1"/>
+              <a:t>d’accès</a:t>
+            </a:r>
+            <a:r>
+              <a:rPr sz="2400" dirty="0"/>
+              <a:t> aux insights, </a:t>
+            </a:r>
+            <a:r>
+              <a:rPr sz="2400" dirty="0" err="1"/>
+              <a:t>en</a:t>
+            </a:r>
+            <a:r>
+              <a:rPr sz="2400" dirty="0"/>
+              <a:t> </a:t>
+            </a:r>
+            <a:r>
+              <a:rPr sz="2400" dirty="0" err="1"/>
+              <a:t>sécurisant</a:t>
+            </a:r>
+            <a:r>
+              <a:rPr sz="2400" dirty="0"/>
+              <a:t> les </a:t>
+            </a:r>
+            <a:r>
+              <a:rPr sz="2400" dirty="0" err="1"/>
+              <a:t>décisions</a:t>
+            </a:r>
+            <a:r>
+              <a:rPr sz="2400" dirty="0"/>
+              <a:t> et </a:t>
+            </a:r>
+            <a:r>
+              <a:rPr sz="2400" dirty="0" err="1"/>
+              <a:t>en</a:t>
+            </a:r>
+            <a:r>
+              <a:rPr sz="2400" dirty="0"/>
+              <a:t> </a:t>
+            </a:r>
+            <a:r>
+              <a:rPr sz="2400" dirty="0" err="1"/>
+              <a:t>favorisant</a:t>
+            </a:r>
+            <a:r>
+              <a:rPr sz="2400" dirty="0"/>
+              <a:t> </a:t>
+            </a:r>
+            <a:r>
+              <a:rPr sz="2400" dirty="0" err="1"/>
+              <a:t>l’innovation</a:t>
+            </a:r>
+            <a:endParaRPr lang="fr-FR" sz="2400" dirty="0"/>
+          </a:p>
+          <a:p>
+            <a:pPr>
+              <a:defRPr sz="1800">
+                <a:solidFill>
+                  <a:srgbClr val="373B3F"/>
+                </a:solidFill>
+                <a:latin typeface="Calibri"/>
+              </a:defRPr>
+            </a:pPr>
+            <a:r>
+              <a:rPr sz="2400" dirty="0"/>
+              <a:t>Par </a:t>
+            </a:r>
+            <a:r>
+              <a:rPr sz="2400" dirty="0" err="1"/>
+              <a:t>exemple</a:t>
+            </a:r>
+            <a:r>
+              <a:rPr sz="2400" dirty="0"/>
+              <a:t>, un </a:t>
+            </a:r>
+            <a:r>
+              <a:rPr sz="2400" dirty="0" err="1"/>
+              <a:t>suivi</a:t>
+            </a:r>
+            <a:r>
+              <a:rPr sz="2400" dirty="0"/>
+              <a:t> </a:t>
+            </a:r>
+            <a:r>
+              <a:rPr sz="2400" dirty="0" err="1"/>
+              <a:t>produit</a:t>
+            </a:r>
+            <a:r>
+              <a:rPr sz="2400" dirty="0"/>
+              <a:t> </a:t>
+            </a:r>
+            <a:r>
+              <a:rPr sz="2400" dirty="0" err="1"/>
+              <a:t>en</a:t>
+            </a:r>
+            <a:r>
+              <a:rPr sz="2400" dirty="0"/>
+              <a:t> temps </a:t>
+            </a:r>
+            <a:r>
+              <a:rPr sz="2400" dirty="0" err="1"/>
+              <a:t>réel</a:t>
+            </a:r>
+            <a:r>
+              <a:rPr sz="2400" dirty="0"/>
+              <a:t> </a:t>
+            </a:r>
+            <a:r>
+              <a:rPr sz="2400" dirty="0" err="1"/>
+              <a:t>permet</a:t>
+            </a:r>
+            <a:r>
+              <a:rPr sz="2400" dirty="0"/>
+              <a:t> </a:t>
+            </a:r>
+            <a:r>
+              <a:rPr sz="2400" dirty="0" err="1"/>
+              <a:t>d’anticiper</a:t>
+            </a:r>
+            <a:r>
+              <a:rPr sz="2400" dirty="0"/>
+              <a:t> des ruptures, </a:t>
+            </a:r>
+            <a:r>
+              <a:rPr sz="2400" dirty="0" err="1"/>
+              <a:t>d’ajuster</a:t>
+            </a:r>
+            <a:r>
+              <a:rPr sz="2400" dirty="0"/>
+              <a:t> les prix et </a:t>
+            </a:r>
+            <a:r>
+              <a:rPr sz="2400" dirty="0" err="1"/>
+              <a:t>d’optimiser</a:t>
+            </a:r>
+            <a:r>
+              <a:rPr sz="2400" dirty="0"/>
+              <a:t> le service client </a:t>
+            </a:r>
+            <a:r>
+              <a:rPr sz="2400" dirty="0" err="1"/>
+              <a:t>localement</a:t>
+            </a:r>
+            <a:r>
+              <a:rPr sz="2400" dirty="0"/>
+              <a:t>.</a:t>
+            </a:r>
+          </a:p>
+        </p:txBody>
+      </p:sp>
+      <p:sp>
+        <p:nvSpPr>
+          <p:cNvPr id="4" name="TextBox 3"/>
+          <p:cNvSpPr txBox="1"/>
+          <p:nvPr/>
+        </p:nvSpPr>
         <p:spPr>
           <a:xfrm>
-            <a:off x="628650" y="2040037"/>
-            <a:ext cx="7886700" cy="3263504"/>
-          </a:xfrm>
-        </p:spPr>
-        <p:txBody>
-          <a:bodyPr/>
-          <a:lstStyle/>
-          <a:p>
-            <a:r>
-              <a:rPr lang="fr-FR" dirty="0"/>
-              <a:t>En Machine Learning, l'objectif est de trouver un modèle mathématique du phénomène à l'origine des données par apprentissage</a:t>
-            </a:r>
-          </a:p>
-        </p:txBody>
-      </p:sp>
-      <p:pic>
-        <p:nvPicPr>
-          <p:cNvPr id="1026" name="Picture 2" descr="Machine learning en E-commerce : une expérience client optimale - Arkheus">
-            <a:extLst>
-              <a:ext uri="{FF2B5EF4-FFF2-40B4-BE49-F238E27FC236}">
-                <a16:creationId xmlns:a16="http://schemas.microsoft.com/office/drawing/2014/main" id="{AB55968D-DE43-4613-BCDF-B4584C3687F3}"/>
-              </a:ext>
-            </a:extLst>
-          </p:cNvPr>
-          <p:cNvPicPr>
-            <a:picLocks noChangeAspect="1" noChangeArrowheads="1"/>
-          </p:cNvPicPr>
-          <p:nvPr/>
-        </p:nvPicPr>
-        <p:blipFill>
-          <a:blip r:embed="rId2">
-            <a:extLst>
-              <a:ext uri="{28A0092B-C50C-407E-A947-70E740481C1C}">
-                <a14:useLocalDpi xmlns:a14="http://schemas.microsoft.com/office/drawing/2010/main" val="0"/>
-              </a:ext>
-            </a:extLst>
-          </a:blip>
-          <a:srcRect/>
-          <a:stretch>
-            <a:fillRect/>
-          </a:stretch>
-        </p:blipFill>
-        <p:spPr bwMode="auto">
-          <a:xfrm>
-            <a:off x="2915816" y="3501008"/>
-            <a:ext cx="3515592" cy="2487281"/>
+            <a:off x="9326880" y="6217920"/>
+            <a:ext cx="1097280" cy="274320"/>
           </a:xfrm>
           <a:prstGeom prst="rect">
             <a:avLst/>
           </a:prstGeom>
           <a:noFill/>
-          <a:extLst>
-            <a:ext uri="{909E8E84-426E-40DD-AFC4-6F175D3DCCD1}">
-              <a14:hiddenFill xmlns:a14="http://schemas.microsoft.com/office/drawing/2010/main">
-                <a:solidFill>
-                  <a:srgbClr val="FFFFFF"/>
-                </a:solidFill>
-              </a14:hiddenFill>
-            </a:ext>
-          </a:extLst>
         </p:spPr>
-      </p:pic>
+        <p:txBody>
+          <a:bodyPr wrap="none">
+            <a:spAutoFit/>
+          </a:bodyPr>
+          <a:lstStyle/>
+          <a:p>
+            <a:pPr algn="r">
+              <a:defRPr sz="1100">
+                <a:solidFill>
+                  <a:srgbClr val="787878"/>
+                </a:solidFill>
+              </a:defRPr>
+            </a:pPr>
+            <a:r>
+              <a:t>3/30</a:t>
+            </a:r>
+          </a:p>
+        </p:txBody>
+      </p:sp>
     </p:spTree>
     <p:extLst>
       <p:ext uri="{BB962C8B-B14F-4D97-AF65-F5344CB8AC3E}">
-        <p14:creationId xmlns:p14="http://schemas.microsoft.com/office/powerpoint/2010/main" val="3171926051"/>
+        <p14:creationId xmlns:p14="http://schemas.microsoft.com/office/powerpoint/2010/main" val="122220243"/>
       </p:ext>
     </p:extLst>
   </p:cSld>

--- a/AI02-DataScience.pptx
+++ b/AI02-DataScience.pptx
@@ -5,10 +5,10 @@
     <p:sldMasterId id="2147483653" r:id="rId1"/>
   </p:sldMasterIdLst>
   <p:notesMasterIdLst>
-    <p:notesMasterId r:id="rId48"/>
+    <p:notesMasterId r:id="rId56"/>
   </p:notesMasterIdLst>
   <p:handoutMasterIdLst>
-    <p:handoutMasterId r:id="rId49"/>
+    <p:handoutMasterId r:id="rId57"/>
   </p:handoutMasterIdLst>
   <p:sldIdLst>
     <p:sldId id="264" r:id="rId2"/>
@@ -57,6 +57,14 @@
     <p:sldId id="358" r:id="rId45"/>
     <p:sldId id="359" r:id="rId46"/>
     <p:sldId id="360" r:id="rId47"/>
+    <p:sldId id="369" r:id="rId48"/>
+    <p:sldId id="370" r:id="rId49"/>
+    <p:sldId id="365" r:id="rId50"/>
+    <p:sldId id="366" r:id="rId51"/>
+    <p:sldId id="368" r:id="rId52"/>
+    <p:sldId id="367" r:id="rId53"/>
+    <p:sldId id="371" r:id="rId54"/>
+    <p:sldId id="372" r:id="rId55"/>
   </p:sldIdLst>
   <p:sldSz cx="9144000" cy="6858000" type="screen4x3"/>
   <p:notesSz cx="6648450" cy="9782175"/>
@@ -10652,6 +10660,422 @@
 </p:sld>
 </file>
 
+<file path=ppt/slides/slide47.xml><?xml version="1.0" encoding="utf-8"?>
+<p:sld xmlns:a="http://schemas.openxmlformats.org/drawingml/2006/main" xmlns:r="http://schemas.openxmlformats.org/officeDocument/2006/relationships" xmlns:p="http://schemas.openxmlformats.org/presentationml/2006/main">
+  <p:cSld>
+    <p:spTree>
+      <p:nvGrpSpPr>
+        <p:cNvPr id="1" name=""/>
+        <p:cNvGrpSpPr/>
+        <p:nvPr/>
+      </p:nvGrpSpPr>
+      <p:grpSpPr>
+        <a:xfrm>
+          <a:off x="0" y="0"/>
+          <a:ext cx="0" cy="0"/>
+          <a:chOff x="0" y="0"/>
+          <a:chExt cx="0" cy="0"/>
+        </a:xfrm>
+      </p:grpSpPr>
+      <p:sp>
+        <p:nvSpPr>
+          <p:cNvPr id="2" name="Titre 1">
+            <a:extLst>
+              <a:ext uri="{FF2B5EF4-FFF2-40B4-BE49-F238E27FC236}">
+                <a16:creationId xmlns:a16="http://schemas.microsoft.com/office/drawing/2014/main" id="{501C273C-0472-5821-B898-3CC2CD826084}"/>
+              </a:ext>
+            </a:extLst>
+          </p:cNvPr>
+          <p:cNvSpPr>
+            <a:spLocks noGrp="1"/>
+          </p:cNvSpPr>
+          <p:nvPr>
+            <p:ph type="title"/>
+          </p:nvPr>
+        </p:nvSpPr>
+        <p:spPr/>
+        <p:txBody>
+          <a:bodyPr/>
+          <a:lstStyle/>
+          <a:p>
+            <a:r>
+              <a:rPr lang="fr-FR" dirty="0"/>
+              <a:t>Cycles d'innovations</a:t>
+            </a:r>
+          </a:p>
+        </p:txBody>
+      </p:sp>
+      <p:sp>
+        <p:nvSpPr>
+          <p:cNvPr id="3" name="Espace réservé du contenu 2">
+            <a:extLst>
+              <a:ext uri="{FF2B5EF4-FFF2-40B4-BE49-F238E27FC236}">
+                <a16:creationId xmlns:a16="http://schemas.microsoft.com/office/drawing/2014/main" id="{F95BF43C-5FDF-7542-D856-9256ECA3C36E}"/>
+              </a:ext>
+            </a:extLst>
+          </p:cNvPr>
+          <p:cNvSpPr>
+            <a:spLocks noGrp="1"/>
+          </p:cNvSpPr>
+          <p:nvPr>
+            <p:ph idx="1"/>
+          </p:nvPr>
+        </p:nvSpPr>
+        <p:spPr/>
+        <p:txBody>
+          <a:bodyPr/>
+          <a:lstStyle/>
+          <a:p>
+            <a:r>
+              <a:rPr lang="fr-FR" dirty="0"/>
+              <a:t>Raccourcissent des cycles d'évolutions</a:t>
+            </a:r>
+          </a:p>
+        </p:txBody>
+      </p:sp>
+      <p:pic>
+        <p:nvPicPr>
+          <p:cNvPr id="3074" name="Picture 2">
+            <a:extLst>
+              <a:ext uri="{FF2B5EF4-FFF2-40B4-BE49-F238E27FC236}">
+                <a16:creationId xmlns:a16="http://schemas.microsoft.com/office/drawing/2014/main" id="{E248877E-8117-AE83-2369-AB6F04BD36BF}"/>
+              </a:ext>
+            </a:extLst>
+          </p:cNvPr>
+          <p:cNvPicPr>
+            <a:picLocks noChangeAspect="1" noChangeArrowheads="1"/>
+          </p:cNvPicPr>
+          <p:nvPr/>
+        </p:nvPicPr>
+        <p:blipFill>
+          <a:blip r:embed="rId2">
+            <a:extLst>
+              <a:ext uri="{28A0092B-C50C-407E-A947-70E740481C1C}">
+                <a14:useLocalDpi xmlns:a14="http://schemas.microsoft.com/office/drawing/2010/main" val="0"/>
+              </a:ext>
+            </a:extLst>
+          </a:blip>
+          <a:srcRect/>
+          <a:stretch>
+            <a:fillRect/>
+          </a:stretch>
+        </p:blipFill>
+        <p:spPr bwMode="auto">
+          <a:xfrm>
+            <a:off x="-9463" y="1873349"/>
+            <a:ext cx="9144000" cy="3571875"/>
+          </a:xfrm>
+          <a:prstGeom prst="rect">
+            <a:avLst/>
+          </a:prstGeom>
+          <a:noFill/>
+          <a:extLst>
+            <a:ext uri="{909E8E84-426E-40DD-AFC4-6F175D3DCCD1}">
+              <a14:hiddenFill xmlns:a14="http://schemas.microsoft.com/office/drawing/2010/main">
+                <a:solidFill>
+                  <a:srgbClr val="FFFFFF"/>
+                </a:solidFill>
+              </a14:hiddenFill>
+            </a:ext>
+          </a:extLst>
+        </p:spPr>
+      </p:pic>
+    </p:spTree>
+    <p:extLst>
+      <p:ext uri="{BB962C8B-B14F-4D97-AF65-F5344CB8AC3E}">
+        <p14:creationId xmlns:p14="http://schemas.microsoft.com/office/powerpoint/2010/main" val="706698907"/>
+      </p:ext>
+    </p:extLst>
+  </p:cSld>
+  <p:clrMapOvr>
+    <a:masterClrMapping/>
+  </p:clrMapOvr>
+</p:sld>
+</file>
+
+<file path=ppt/slides/slide48.xml><?xml version="1.0" encoding="utf-8"?>
+<p:sld xmlns:a="http://schemas.openxmlformats.org/drawingml/2006/main" xmlns:r="http://schemas.openxmlformats.org/officeDocument/2006/relationships" xmlns:p="http://schemas.openxmlformats.org/presentationml/2006/main">
+  <p:cSld>
+    <p:spTree>
+      <p:nvGrpSpPr>
+        <p:cNvPr id="1" name=""/>
+        <p:cNvGrpSpPr/>
+        <p:nvPr/>
+      </p:nvGrpSpPr>
+      <p:grpSpPr>
+        <a:xfrm>
+          <a:off x="0" y="0"/>
+          <a:ext cx="0" cy="0"/>
+          <a:chOff x="0" y="0"/>
+          <a:chExt cx="0" cy="0"/>
+        </a:xfrm>
+      </p:grpSpPr>
+      <p:sp>
+        <p:nvSpPr>
+          <p:cNvPr id="2" name="Titre 1">
+            <a:extLst>
+              <a:ext uri="{FF2B5EF4-FFF2-40B4-BE49-F238E27FC236}">
+                <a16:creationId xmlns:a16="http://schemas.microsoft.com/office/drawing/2014/main" id="{1C9575AA-3F3F-6684-0054-F0346438EC14}"/>
+              </a:ext>
+            </a:extLst>
+          </p:cNvPr>
+          <p:cNvSpPr>
+            <a:spLocks noGrp="1"/>
+          </p:cNvSpPr>
+          <p:nvPr>
+            <p:ph type="title"/>
+          </p:nvPr>
+        </p:nvSpPr>
+        <p:spPr/>
+        <p:txBody>
+          <a:bodyPr/>
+          <a:lstStyle/>
+          <a:p>
+            <a:r>
+              <a:rPr lang="fr-FR" dirty="0"/>
+              <a:t>Dates d'internet</a:t>
+            </a:r>
+          </a:p>
+        </p:txBody>
+      </p:sp>
+      <p:sp>
+        <p:nvSpPr>
+          <p:cNvPr id="3" name="Espace réservé du contenu 2">
+            <a:extLst>
+              <a:ext uri="{FF2B5EF4-FFF2-40B4-BE49-F238E27FC236}">
+                <a16:creationId xmlns:a16="http://schemas.microsoft.com/office/drawing/2014/main" id="{8AC13212-CA09-8B49-C8CE-DB32F1013BF2}"/>
+              </a:ext>
+            </a:extLst>
+          </p:cNvPr>
+          <p:cNvSpPr>
+            <a:spLocks noGrp="1"/>
+          </p:cNvSpPr>
+          <p:nvPr>
+            <p:ph idx="1"/>
+          </p:nvPr>
+        </p:nvSpPr>
+        <p:spPr/>
+        <p:txBody>
+          <a:bodyPr/>
+          <a:lstStyle/>
+          <a:p>
+            <a:r>
+              <a:rPr lang="fr-FR" dirty="0"/>
+              <a:t>Internet : 1989</a:t>
+            </a:r>
+          </a:p>
+          <a:p>
+            <a:r>
+              <a:rPr lang="fr-FR" dirty="0"/>
+              <a:t>Google : 1998 (9 ans)</a:t>
+            </a:r>
+          </a:p>
+          <a:p>
+            <a:r>
+              <a:rPr lang="fr-FR" dirty="0"/>
+              <a:t>ADSL pour tous : 2000 (11 ans)</a:t>
+            </a:r>
+          </a:p>
+          <a:p>
+            <a:r>
+              <a:rPr lang="fr-FR" dirty="0"/>
+              <a:t>Eclatement de la bulle internet : 2001</a:t>
+            </a:r>
+          </a:p>
+          <a:p>
+            <a:r>
+              <a:rPr lang="fr-FR" dirty="0"/>
+              <a:t>Facebook pour tous : 2004-2005 (7 ans depuis Google)</a:t>
+            </a:r>
+          </a:p>
+          <a:p>
+            <a:r>
+              <a:rPr lang="fr-FR" dirty="0"/>
+              <a:t>Internet sur </a:t>
+            </a:r>
+            <a:r>
+              <a:rPr lang="fr-FR" dirty="0" err="1"/>
+              <a:t>Smarphone</a:t>
+            </a:r>
+            <a:r>
+              <a:rPr lang="fr-FR" dirty="0"/>
+              <a:t> généralisé : 2008</a:t>
+            </a:r>
+          </a:p>
+          <a:p>
+            <a:r>
+              <a:rPr lang="fr-FR" dirty="0"/>
+              <a:t>Création d'Amazon : 1994</a:t>
+            </a:r>
+          </a:p>
+          <a:p>
+            <a:pPr lvl="1"/>
+            <a:r>
+              <a:rPr lang="fr-FR" dirty="0"/>
+              <a:t>Rentabilité : 2013</a:t>
+            </a:r>
+          </a:p>
+          <a:p>
+            <a:endParaRPr lang="fr-FR" dirty="0"/>
+          </a:p>
+        </p:txBody>
+      </p:sp>
+    </p:spTree>
+    <p:extLst>
+      <p:ext uri="{BB962C8B-B14F-4D97-AF65-F5344CB8AC3E}">
+        <p14:creationId xmlns:p14="http://schemas.microsoft.com/office/powerpoint/2010/main" val="1403401658"/>
+      </p:ext>
+    </p:extLst>
+  </p:cSld>
+  <p:clrMapOvr>
+    <a:masterClrMapping/>
+  </p:clrMapOvr>
+</p:sld>
+</file>
+
+<file path=ppt/slides/slide49.xml><?xml version="1.0" encoding="utf-8"?>
+<p:sld xmlns:a="http://schemas.openxmlformats.org/drawingml/2006/main" xmlns:r="http://schemas.openxmlformats.org/officeDocument/2006/relationships" xmlns:p="http://schemas.openxmlformats.org/presentationml/2006/main">
+  <p:cSld>
+    <p:spTree>
+      <p:nvGrpSpPr>
+        <p:cNvPr id="1" name=""/>
+        <p:cNvGrpSpPr/>
+        <p:nvPr/>
+      </p:nvGrpSpPr>
+      <p:grpSpPr>
+        <a:xfrm>
+          <a:off x="0" y="0"/>
+          <a:ext cx="0" cy="0"/>
+          <a:chOff x="0" y="0"/>
+          <a:chExt cx="0" cy="0"/>
+        </a:xfrm>
+      </p:grpSpPr>
+      <p:sp>
+        <p:nvSpPr>
+          <p:cNvPr id="2" name="Titre 1">
+            <a:extLst>
+              <a:ext uri="{FF2B5EF4-FFF2-40B4-BE49-F238E27FC236}">
+                <a16:creationId xmlns:a16="http://schemas.microsoft.com/office/drawing/2014/main" id="{AC9A4570-75A6-8E15-C2D6-DF97B9554C6E}"/>
+              </a:ext>
+            </a:extLst>
+          </p:cNvPr>
+          <p:cNvSpPr>
+            <a:spLocks noGrp="1"/>
+          </p:cNvSpPr>
+          <p:nvPr>
+            <p:ph type="title"/>
+          </p:nvPr>
+        </p:nvSpPr>
+        <p:spPr/>
+        <p:txBody>
+          <a:bodyPr/>
+          <a:lstStyle/>
+          <a:p>
+            <a:r>
+              <a:rPr lang="fr-FR" dirty="0"/>
+              <a:t>Loi de Moore</a:t>
+            </a:r>
+          </a:p>
+        </p:txBody>
+      </p:sp>
+      <p:sp>
+        <p:nvSpPr>
+          <p:cNvPr id="3" name="Espace réservé du contenu 2">
+            <a:extLst>
+              <a:ext uri="{FF2B5EF4-FFF2-40B4-BE49-F238E27FC236}">
+                <a16:creationId xmlns:a16="http://schemas.microsoft.com/office/drawing/2014/main" id="{7FD8E8BD-1EDC-883C-8AFE-296DB80FE6CB}"/>
+              </a:ext>
+            </a:extLst>
+          </p:cNvPr>
+          <p:cNvSpPr>
+            <a:spLocks noGrp="1"/>
+          </p:cNvSpPr>
+          <p:nvPr>
+            <p:ph idx="1"/>
+          </p:nvPr>
+        </p:nvSpPr>
+        <p:spPr/>
+        <p:txBody>
+          <a:bodyPr/>
+          <a:lstStyle/>
+          <a:p>
+            <a:r>
+              <a:rPr lang="fr-FR" dirty="0"/>
+              <a:t>Les lois de Moore sont des lois empiriques qui décrivent l'évolution de la puissance de calcul des ordinateurs et de la complexité du matériel informatique</a:t>
+            </a:r>
+          </a:p>
+          <a:p>
+            <a:r>
+              <a:rPr lang="fr-FR" dirty="0"/>
+              <a:t>En 1975 Gordon Moore (Co-fondateur de Intel) prédit un doublement du nombre de transistors présents sur une puce de microprocesseur tous les deux ans</a:t>
+            </a:r>
+          </a:p>
+          <a:p>
+            <a:pPr lvl="1"/>
+            <a:r>
+              <a:rPr lang="fr-FR" dirty="0"/>
+              <a:t>Intel 4004 de 1971 était sur 4 bits</a:t>
+            </a:r>
+          </a:p>
+          <a:p>
+            <a:pPr lvl="1"/>
+            <a:r>
+              <a:rPr lang="fr-FR" dirty="0"/>
+              <a:t>Cadencée à 108 kHz </a:t>
+            </a:r>
+          </a:p>
+          <a:p>
+            <a:pPr lvl="1"/>
+            <a:r>
+              <a:rPr lang="fr-FR" dirty="0"/>
+              <a:t>Intégrant 2 300 transistors.</a:t>
+            </a:r>
+          </a:p>
+        </p:txBody>
+      </p:sp>
+      <p:pic>
+        <p:nvPicPr>
+          <p:cNvPr id="5" name="Image 4">
+            <a:extLst>
+              <a:ext uri="{FF2B5EF4-FFF2-40B4-BE49-F238E27FC236}">
+                <a16:creationId xmlns:a16="http://schemas.microsoft.com/office/drawing/2014/main" id="{8715A838-528A-9AE9-CEF0-54652F3EAC20}"/>
+              </a:ext>
+            </a:extLst>
+          </p:cNvPr>
+          <p:cNvPicPr>
+            <a:picLocks noChangeAspect="1"/>
+          </p:cNvPicPr>
+          <p:nvPr/>
+        </p:nvPicPr>
+        <p:blipFill>
+          <a:blip r:embed="rId2"/>
+          <a:stretch>
+            <a:fillRect/>
+          </a:stretch>
+        </p:blipFill>
+        <p:spPr>
+          <a:xfrm>
+            <a:off x="5559842" y="4635239"/>
+            <a:ext cx="3584158" cy="2209552"/>
+          </a:xfrm>
+          <a:prstGeom prst="rect">
+            <a:avLst/>
+          </a:prstGeom>
+        </p:spPr>
+      </p:pic>
+    </p:spTree>
+    <p:extLst>
+      <p:ext uri="{BB962C8B-B14F-4D97-AF65-F5344CB8AC3E}">
+        <p14:creationId xmlns:p14="http://schemas.microsoft.com/office/powerpoint/2010/main" val="1545931528"/>
+      </p:ext>
+    </p:extLst>
+  </p:cSld>
+  <p:clrMapOvr>
+    <a:masterClrMapping/>
+  </p:clrMapOvr>
+</p:sld>
+</file>
+
 <file path=ppt/slides/slide5.xml><?xml version="1.0" encoding="utf-8"?>
 <p:sld xmlns:a="http://schemas.openxmlformats.org/drawingml/2006/main" xmlns:r="http://schemas.openxmlformats.org/officeDocument/2006/relationships" xmlns:p="http://schemas.openxmlformats.org/presentationml/2006/main">
   <p:cSld>
@@ -10785,6 +11209,623 @@
     <p:extLst>
       <p:ext uri="{BB962C8B-B14F-4D97-AF65-F5344CB8AC3E}">
         <p14:creationId xmlns:p14="http://schemas.microsoft.com/office/powerpoint/2010/main" val="3961684780"/>
+      </p:ext>
+    </p:extLst>
+  </p:cSld>
+  <p:clrMapOvr>
+    <a:masterClrMapping/>
+  </p:clrMapOvr>
+</p:sld>
+</file>
+
+<file path=ppt/slides/slide50.xml><?xml version="1.0" encoding="utf-8"?>
+<p:sld xmlns:a="http://schemas.openxmlformats.org/drawingml/2006/main" xmlns:r="http://schemas.openxmlformats.org/officeDocument/2006/relationships" xmlns:p="http://schemas.openxmlformats.org/presentationml/2006/main">
+  <p:cSld>
+    <p:spTree>
+      <p:nvGrpSpPr>
+        <p:cNvPr id="1" name=""/>
+        <p:cNvGrpSpPr/>
+        <p:nvPr/>
+      </p:nvGrpSpPr>
+      <p:grpSpPr>
+        <a:xfrm>
+          <a:off x="0" y="0"/>
+          <a:ext cx="0" cy="0"/>
+          <a:chOff x="0" y="0"/>
+          <a:chExt cx="0" cy="0"/>
+        </a:xfrm>
+      </p:grpSpPr>
+      <p:sp>
+        <p:nvSpPr>
+          <p:cNvPr id="2" name="Titre 1">
+            <a:extLst>
+              <a:ext uri="{FF2B5EF4-FFF2-40B4-BE49-F238E27FC236}">
+                <a16:creationId xmlns:a16="http://schemas.microsoft.com/office/drawing/2014/main" id="{92CEB5B5-BA69-C8C7-62E1-436F46682164}"/>
+              </a:ext>
+            </a:extLst>
+          </p:cNvPr>
+          <p:cNvSpPr>
+            <a:spLocks noGrp="1"/>
+          </p:cNvSpPr>
+          <p:nvPr>
+            <p:ph type="title"/>
+          </p:nvPr>
+        </p:nvSpPr>
+        <p:spPr/>
+        <p:txBody>
+          <a:bodyPr/>
+          <a:lstStyle/>
+          <a:p>
+            <a:r>
+              <a:rPr lang="fr-FR" dirty="0"/>
+              <a:t>Courbe Gartner</a:t>
+            </a:r>
+          </a:p>
+        </p:txBody>
+      </p:sp>
+      <p:sp>
+        <p:nvSpPr>
+          <p:cNvPr id="3" name="Espace réservé du contenu 2">
+            <a:extLst>
+              <a:ext uri="{FF2B5EF4-FFF2-40B4-BE49-F238E27FC236}">
+                <a16:creationId xmlns:a16="http://schemas.microsoft.com/office/drawing/2014/main" id="{22405F89-0760-CDF5-DD3A-4727D1516B5B}"/>
+              </a:ext>
+            </a:extLst>
+          </p:cNvPr>
+          <p:cNvSpPr>
+            <a:spLocks noGrp="1"/>
+          </p:cNvSpPr>
+          <p:nvPr>
+            <p:ph idx="1"/>
+          </p:nvPr>
+        </p:nvSpPr>
+        <p:spPr/>
+        <p:txBody>
+          <a:bodyPr/>
+          <a:lstStyle/>
+          <a:p>
+            <a:r>
+              <a:rPr lang="fr-FR" dirty="0"/>
+              <a:t>Il s'agit de l'acceptation d'une innovation</a:t>
+            </a:r>
+          </a:p>
+        </p:txBody>
+      </p:sp>
+      <p:pic>
+        <p:nvPicPr>
+          <p:cNvPr id="5" name="Image 4">
+            <a:extLst>
+              <a:ext uri="{FF2B5EF4-FFF2-40B4-BE49-F238E27FC236}">
+                <a16:creationId xmlns:a16="http://schemas.microsoft.com/office/drawing/2014/main" id="{2A18D78E-E048-A5C2-A430-5B48AB26AE2D}"/>
+              </a:ext>
+            </a:extLst>
+          </p:cNvPr>
+          <p:cNvPicPr>
+            <a:picLocks noChangeAspect="1"/>
+          </p:cNvPicPr>
+          <p:nvPr/>
+        </p:nvPicPr>
+        <p:blipFill>
+          <a:blip r:embed="rId2"/>
+          <a:stretch>
+            <a:fillRect/>
+          </a:stretch>
+        </p:blipFill>
+        <p:spPr>
+          <a:xfrm>
+            <a:off x="971600" y="2185540"/>
+            <a:ext cx="6744641" cy="4267796"/>
+          </a:xfrm>
+          <a:prstGeom prst="rect">
+            <a:avLst/>
+          </a:prstGeom>
+        </p:spPr>
+      </p:pic>
+    </p:spTree>
+    <p:extLst>
+      <p:ext uri="{BB962C8B-B14F-4D97-AF65-F5344CB8AC3E}">
+        <p14:creationId xmlns:p14="http://schemas.microsoft.com/office/powerpoint/2010/main" val="3715593220"/>
+      </p:ext>
+    </p:extLst>
+  </p:cSld>
+  <p:clrMapOvr>
+    <a:masterClrMapping/>
+  </p:clrMapOvr>
+</p:sld>
+</file>
+
+<file path=ppt/slides/slide51.xml><?xml version="1.0" encoding="utf-8"?>
+<p:sld xmlns:a="http://schemas.openxmlformats.org/drawingml/2006/main" xmlns:r="http://schemas.openxmlformats.org/officeDocument/2006/relationships" xmlns:p="http://schemas.openxmlformats.org/presentationml/2006/main">
+  <p:cSld>
+    <p:spTree>
+      <p:nvGrpSpPr>
+        <p:cNvPr id="1" name=""/>
+        <p:cNvGrpSpPr/>
+        <p:nvPr/>
+      </p:nvGrpSpPr>
+      <p:grpSpPr>
+        <a:xfrm>
+          <a:off x="0" y="0"/>
+          <a:ext cx="0" cy="0"/>
+          <a:chOff x="0" y="0"/>
+          <a:chExt cx="0" cy="0"/>
+        </a:xfrm>
+      </p:grpSpPr>
+      <p:sp>
+        <p:nvSpPr>
+          <p:cNvPr id="2" name="Titre 1">
+            <a:extLst>
+              <a:ext uri="{FF2B5EF4-FFF2-40B4-BE49-F238E27FC236}">
+                <a16:creationId xmlns:a16="http://schemas.microsoft.com/office/drawing/2014/main" id="{7E47CBB9-D580-CEB6-062F-438F0F6F4C95}"/>
+              </a:ext>
+            </a:extLst>
+          </p:cNvPr>
+          <p:cNvSpPr>
+            <a:spLocks noGrp="1"/>
+          </p:cNvSpPr>
+          <p:nvPr>
+            <p:ph type="title"/>
+          </p:nvPr>
+        </p:nvSpPr>
+        <p:spPr/>
+        <p:txBody>
+          <a:bodyPr/>
+          <a:lstStyle/>
+          <a:p>
+            <a:r>
+              <a:rPr lang="fr-FR" dirty="0"/>
+              <a:t>Courbe Kubler Ross</a:t>
+            </a:r>
+          </a:p>
+        </p:txBody>
+      </p:sp>
+      <p:sp>
+        <p:nvSpPr>
+          <p:cNvPr id="3" name="Espace réservé du contenu 2">
+            <a:extLst>
+              <a:ext uri="{FF2B5EF4-FFF2-40B4-BE49-F238E27FC236}">
+                <a16:creationId xmlns:a16="http://schemas.microsoft.com/office/drawing/2014/main" id="{26B85BE1-5717-4CA6-DAD1-5F14B5AF6E01}"/>
+              </a:ext>
+            </a:extLst>
+          </p:cNvPr>
+          <p:cNvSpPr>
+            <a:spLocks noGrp="1"/>
+          </p:cNvSpPr>
+          <p:nvPr>
+            <p:ph idx="1"/>
+          </p:nvPr>
+        </p:nvSpPr>
+        <p:spPr/>
+        <p:txBody>
+          <a:bodyPr/>
+          <a:lstStyle/>
+          <a:p>
+            <a:r>
+              <a:rPr lang="fr-FR" dirty="0"/>
+              <a:t>Acceptation du changement</a:t>
+            </a:r>
+          </a:p>
+        </p:txBody>
+      </p:sp>
+      <p:pic>
+        <p:nvPicPr>
+          <p:cNvPr id="2054" name="Picture 6" descr="Courbe innovation - courbe du changement Kubler Ross">
+            <a:extLst>
+              <a:ext uri="{FF2B5EF4-FFF2-40B4-BE49-F238E27FC236}">
+                <a16:creationId xmlns:a16="http://schemas.microsoft.com/office/drawing/2014/main" id="{7D57FA48-72BD-3951-C399-DB0FB8E66A14}"/>
+              </a:ext>
+            </a:extLst>
+          </p:cNvPr>
+          <p:cNvPicPr>
+            <a:picLocks noChangeAspect="1" noChangeArrowheads="1"/>
+          </p:cNvPicPr>
+          <p:nvPr/>
+        </p:nvPicPr>
+        <p:blipFill>
+          <a:blip r:embed="rId2">
+            <a:extLst>
+              <a:ext uri="{28A0092B-C50C-407E-A947-70E740481C1C}">
+                <a14:useLocalDpi xmlns:a14="http://schemas.microsoft.com/office/drawing/2010/main" val="0"/>
+              </a:ext>
+            </a:extLst>
+          </a:blip>
+          <a:srcRect/>
+          <a:stretch>
+            <a:fillRect/>
+          </a:stretch>
+        </p:blipFill>
+        <p:spPr bwMode="auto">
+          <a:xfrm>
+            <a:off x="0" y="2204864"/>
+            <a:ext cx="9144000" cy="3571875"/>
+          </a:xfrm>
+          <a:prstGeom prst="rect">
+            <a:avLst/>
+          </a:prstGeom>
+          <a:noFill/>
+          <a:extLst>
+            <a:ext uri="{909E8E84-426E-40DD-AFC4-6F175D3DCCD1}">
+              <a14:hiddenFill xmlns:a14="http://schemas.microsoft.com/office/drawing/2010/main">
+                <a:solidFill>
+                  <a:srgbClr val="FFFFFF"/>
+                </a:solidFill>
+              </a14:hiddenFill>
+            </a:ext>
+          </a:extLst>
+        </p:spPr>
+      </p:pic>
+    </p:spTree>
+    <p:extLst>
+      <p:ext uri="{BB962C8B-B14F-4D97-AF65-F5344CB8AC3E}">
+        <p14:creationId xmlns:p14="http://schemas.microsoft.com/office/powerpoint/2010/main" val="2742714734"/>
+      </p:ext>
+    </p:extLst>
+  </p:cSld>
+  <p:clrMapOvr>
+    <a:masterClrMapping/>
+  </p:clrMapOvr>
+</p:sld>
+</file>
+
+<file path=ppt/slides/slide52.xml><?xml version="1.0" encoding="utf-8"?>
+<p:sld xmlns:a="http://schemas.openxmlformats.org/drawingml/2006/main" xmlns:r="http://schemas.openxmlformats.org/officeDocument/2006/relationships" xmlns:p="http://schemas.openxmlformats.org/presentationml/2006/main">
+  <p:cSld>
+    <p:spTree>
+      <p:nvGrpSpPr>
+        <p:cNvPr id="1" name=""/>
+        <p:cNvGrpSpPr/>
+        <p:nvPr/>
+      </p:nvGrpSpPr>
+      <p:grpSpPr>
+        <a:xfrm>
+          <a:off x="0" y="0"/>
+          <a:ext cx="0" cy="0"/>
+          <a:chOff x="0" y="0"/>
+          <a:chExt cx="0" cy="0"/>
+        </a:xfrm>
+      </p:grpSpPr>
+      <p:sp>
+        <p:nvSpPr>
+          <p:cNvPr id="2" name="Titre 1">
+            <a:extLst>
+              <a:ext uri="{FF2B5EF4-FFF2-40B4-BE49-F238E27FC236}">
+                <a16:creationId xmlns:a16="http://schemas.microsoft.com/office/drawing/2014/main" id="{387C15DF-ED4D-90E5-66C4-D4CE51941029}"/>
+              </a:ext>
+            </a:extLst>
+          </p:cNvPr>
+          <p:cNvSpPr>
+            <a:spLocks noGrp="1"/>
+          </p:cNvSpPr>
+          <p:nvPr>
+            <p:ph type="title"/>
+          </p:nvPr>
+        </p:nvSpPr>
+        <p:spPr/>
+        <p:txBody>
+          <a:bodyPr/>
+          <a:lstStyle/>
+          <a:p>
+            <a:r>
+              <a:rPr lang="fr-FR" dirty="0"/>
+              <a:t>Evolution des LLM</a:t>
+            </a:r>
+          </a:p>
+        </p:txBody>
+      </p:sp>
+      <p:sp>
+        <p:nvSpPr>
+          <p:cNvPr id="3" name="Espace réservé du contenu 2">
+            <a:extLst>
+              <a:ext uri="{FF2B5EF4-FFF2-40B4-BE49-F238E27FC236}">
+                <a16:creationId xmlns:a16="http://schemas.microsoft.com/office/drawing/2014/main" id="{7C4F5BCB-AF23-3076-2B3E-D12CFB77D98C}"/>
+              </a:ext>
+            </a:extLst>
+          </p:cNvPr>
+          <p:cNvSpPr>
+            <a:spLocks noGrp="1"/>
+          </p:cNvSpPr>
+          <p:nvPr>
+            <p:ph idx="1"/>
+          </p:nvPr>
+        </p:nvSpPr>
+        <p:spPr/>
+        <p:txBody>
+          <a:bodyPr/>
+          <a:lstStyle/>
+          <a:p>
+            <a:endParaRPr lang="fr-FR"/>
+          </a:p>
+        </p:txBody>
+      </p:sp>
+      <p:pic>
+        <p:nvPicPr>
+          <p:cNvPr id="1026" name="Picture 2">
+            <a:extLst>
+              <a:ext uri="{FF2B5EF4-FFF2-40B4-BE49-F238E27FC236}">
+                <a16:creationId xmlns:a16="http://schemas.microsoft.com/office/drawing/2014/main" id="{256070E3-DD28-456B-2E5B-91B93DC3C04B}"/>
+              </a:ext>
+            </a:extLst>
+          </p:cNvPr>
+          <p:cNvPicPr>
+            <a:picLocks noChangeAspect="1" noChangeArrowheads="1"/>
+          </p:cNvPicPr>
+          <p:nvPr/>
+        </p:nvPicPr>
+        <p:blipFill>
+          <a:blip r:embed="rId2">
+            <a:extLst>
+              <a:ext uri="{28A0092B-C50C-407E-A947-70E740481C1C}">
+                <a14:useLocalDpi xmlns:a14="http://schemas.microsoft.com/office/drawing/2010/main" val="0"/>
+              </a:ext>
+            </a:extLst>
+          </a:blip>
+          <a:srcRect/>
+          <a:stretch>
+            <a:fillRect/>
+          </a:stretch>
+        </p:blipFill>
+        <p:spPr bwMode="auto">
+          <a:xfrm>
+            <a:off x="0" y="1271588"/>
+            <a:ext cx="9144000" cy="4314825"/>
+          </a:xfrm>
+          <a:prstGeom prst="rect">
+            <a:avLst/>
+          </a:prstGeom>
+          <a:noFill/>
+          <a:extLst>
+            <a:ext uri="{909E8E84-426E-40DD-AFC4-6F175D3DCCD1}">
+              <a14:hiddenFill xmlns:a14="http://schemas.microsoft.com/office/drawing/2010/main">
+                <a:solidFill>
+                  <a:srgbClr val="FFFFFF"/>
+                </a:solidFill>
+              </a14:hiddenFill>
+            </a:ext>
+          </a:extLst>
+        </p:spPr>
+      </p:pic>
+    </p:spTree>
+    <p:extLst>
+      <p:ext uri="{BB962C8B-B14F-4D97-AF65-F5344CB8AC3E}">
+        <p14:creationId xmlns:p14="http://schemas.microsoft.com/office/powerpoint/2010/main" val="3955257740"/>
+      </p:ext>
+    </p:extLst>
+  </p:cSld>
+  <p:clrMapOvr>
+    <a:masterClrMapping/>
+  </p:clrMapOvr>
+</p:sld>
+</file>
+
+<file path=ppt/slides/slide53.xml><?xml version="1.0" encoding="utf-8"?>
+<p:sld xmlns:a="http://schemas.openxmlformats.org/drawingml/2006/main" xmlns:r="http://schemas.openxmlformats.org/officeDocument/2006/relationships" xmlns:p="http://schemas.openxmlformats.org/presentationml/2006/main">
+  <p:cSld>
+    <p:spTree>
+      <p:nvGrpSpPr>
+        <p:cNvPr id="1" name=""/>
+        <p:cNvGrpSpPr/>
+        <p:nvPr/>
+      </p:nvGrpSpPr>
+      <p:grpSpPr>
+        <a:xfrm>
+          <a:off x="0" y="0"/>
+          <a:ext cx="0" cy="0"/>
+          <a:chOff x="0" y="0"/>
+          <a:chExt cx="0" cy="0"/>
+        </a:xfrm>
+      </p:grpSpPr>
+      <p:sp>
+        <p:nvSpPr>
+          <p:cNvPr id="2" name="Titre 1">
+            <a:extLst>
+              <a:ext uri="{FF2B5EF4-FFF2-40B4-BE49-F238E27FC236}">
+                <a16:creationId xmlns:a16="http://schemas.microsoft.com/office/drawing/2014/main" id="{63B4984A-4F97-F81F-89AD-A83B12D69F44}"/>
+              </a:ext>
+            </a:extLst>
+          </p:cNvPr>
+          <p:cNvSpPr>
+            <a:spLocks noGrp="1"/>
+          </p:cNvSpPr>
+          <p:nvPr>
+            <p:ph type="title"/>
+          </p:nvPr>
+        </p:nvSpPr>
+        <p:spPr/>
+        <p:txBody>
+          <a:bodyPr/>
+          <a:lstStyle/>
+          <a:p>
+            <a:r>
+              <a:rPr lang="fr-FR" dirty="0"/>
+              <a:t>Coûts LLM</a:t>
+            </a:r>
+          </a:p>
+        </p:txBody>
+      </p:sp>
+      <p:sp>
+        <p:nvSpPr>
+          <p:cNvPr id="4" name="Espace réservé du contenu 3">
+            <a:extLst>
+              <a:ext uri="{FF2B5EF4-FFF2-40B4-BE49-F238E27FC236}">
+                <a16:creationId xmlns:a16="http://schemas.microsoft.com/office/drawing/2014/main" id="{D466D7F1-C85A-A0DF-9783-0D20EAF32F95}"/>
+              </a:ext>
+            </a:extLst>
+          </p:cNvPr>
+          <p:cNvSpPr>
+            <a:spLocks noGrp="1"/>
+          </p:cNvSpPr>
+          <p:nvPr>
+            <p:ph idx="1"/>
+          </p:nvPr>
+        </p:nvSpPr>
+        <p:spPr/>
+        <p:txBody>
+          <a:bodyPr/>
+          <a:lstStyle/>
+          <a:p>
+            <a:endParaRPr lang="fr-FR"/>
+          </a:p>
+        </p:txBody>
+      </p:sp>
+      <p:pic>
+        <p:nvPicPr>
+          <p:cNvPr id="4098" name="Picture 2" descr="Couts-IA-statista-epoch-ai">
+            <a:extLst>
+              <a:ext uri="{FF2B5EF4-FFF2-40B4-BE49-F238E27FC236}">
+                <a16:creationId xmlns:a16="http://schemas.microsoft.com/office/drawing/2014/main" id="{EA77EC2A-B31C-D963-7FF7-37A7DA9E02A4}"/>
+              </a:ext>
+            </a:extLst>
+          </p:cNvPr>
+          <p:cNvPicPr>
+            <a:picLocks noChangeAspect="1" noChangeArrowheads="1"/>
+          </p:cNvPicPr>
+          <p:nvPr/>
+        </p:nvPicPr>
+        <p:blipFill>
+          <a:blip r:embed="rId2">
+            <a:extLst>
+              <a:ext uri="{28A0092B-C50C-407E-A947-70E740481C1C}">
+                <a14:useLocalDpi xmlns:a14="http://schemas.microsoft.com/office/drawing/2010/main" val="0"/>
+              </a:ext>
+            </a:extLst>
+          </a:blip>
+          <a:srcRect/>
+          <a:stretch>
+            <a:fillRect/>
+          </a:stretch>
+        </p:blipFill>
+        <p:spPr bwMode="auto">
+          <a:xfrm>
+            <a:off x="1763688" y="881336"/>
+            <a:ext cx="6552728" cy="6552728"/>
+          </a:xfrm>
+          <a:prstGeom prst="rect">
+            <a:avLst/>
+          </a:prstGeom>
+          <a:noFill/>
+          <a:extLst>
+            <a:ext uri="{909E8E84-426E-40DD-AFC4-6F175D3DCCD1}">
+              <a14:hiddenFill xmlns:a14="http://schemas.microsoft.com/office/drawing/2010/main">
+                <a:solidFill>
+                  <a:srgbClr val="FFFFFF"/>
+                </a:solidFill>
+              </a14:hiddenFill>
+            </a:ext>
+          </a:extLst>
+        </p:spPr>
+      </p:pic>
+    </p:spTree>
+    <p:extLst>
+      <p:ext uri="{BB962C8B-B14F-4D97-AF65-F5344CB8AC3E}">
+        <p14:creationId xmlns:p14="http://schemas.microsoft.com/office/powerpoint/2010/main" val="2783648563"/>
+      </p:ext>
+    </p:extLst>
+  </p:cSld>
+  <p:clrMapOvr>
+    <a:masterClrMapping/>
+  </p:clrMapOvr>
+</p:sld>
+</file>
+
+<file path=ppt/slides/slide54.xml><?xml version="1.0" encoding="utf-8"?>
+<p:sld xmlns:a="http://schemas.openxmlformats.org/drawingml/2006/main" xmlns:r="http://schemas.openxmlformats.org/officeDocument/2006/relationships" xmlns:p="http://schemas.openxmlformats.org/presentationml/2006/main">
+  <p:cSld>
+    <p:spTree>
+      <p:nvGrpSpPr>
+        <p:cNvPr id="1" name=""/>
+        <p:cNvGrpSpPr/>
+        <p:nvPr/>
+      </p:nvGrpSpPr>
+      <p:grpSpPr>
+        <a:xfrm>
+          <a:off x="0" y="0"/>
+          <a:ext cx="0" cy="0"/>
+          <a:chOff x="0" y="0"/>
+          <a:chExt cx="0" cy="0"/>
+        </a:xfrm>
+      </p:grpSpPr>
+      <p:sp>
+        <p:nvSpPr>
+          <p:cNvPr id="2" name="Titre 1">
+            <a:extLst>
+              <a:ext uri="{FF2B5EF4-FFF2-40B4-BE49-F238E27FC236}">
+                <a16:creationId xmlns:a16="http://schemas.microsoft.com/office/drawing/2014/main" id="{0CBC48DB-4917-4000-6ADE-9BDFFAA5C311}"/>
+              </a:ext>
+            </a:extLst>
+          </p:cNvPr>
+          <p:cNvSpPr>
+            <a:spLocks noGrp="1"/>
+          </p:cNvSpPr>
+          <p:nvPr>
+            <p:ph type="title"/>
+          </p:nvPr>
+        </p:nvSpPr>
+        <p:spPr/>
+        <p:txBody>
+          <a:bodyPr/>
+          <a:lstStyle/>
+          <a:p>
+            <a:r>
+              <a:rPr lang="fr-FR" dirty="0" err="1"/>
+              <a:t>ChatGPT</a:t>
+            </a:r>
+            <a:endParaRPr lang="fr-FR" dirty="0"/>
+          </a:p>
+        </p:txBody>
+      </p:sp>
+      <p:sp>
+        <p:nvSpPr>
+          <p:cNvPr id="3" name="Espace réservé du contenu 2">
+            <a:extLst>
+              <a:ext uri="{FF2B5EF4-FFF2-40B4-BE49-F238E27FC236}">
+                <a16:creationId xmlns:a16="http://schemas.microsoft.com/office/drawing/2014/main" id="{2E9810CD-A28D-E5EA-5316-565B2D1E93BA}"/>
+              </a:ext>
+            </a:extLst>
+          </p:cNvPr>
+          <p:cNvSpPr>
+            <a:spLocks noGrp="1"/>
+          </p:cNvSpPr>
+          <p:nvPr>
+            <p:ph idx="1"/>
+          </p:nvPr>
+        </p:nvSpPr>
+        <p:spPr/>
+        <p:txBody>
+          <a:bodyPr/>
+          <a:lstStyle/>
+          <a:p>
+            <a:r>
+              <a:rPr lang="fr-FR" dirty="0"/>
+              <a:t>Cout de fonctionnement estimé</a:t>
+            </a:r>
+          </a:p>
+          <a:p>
+            <a:pPr lvl="1"/>
+            <a:r>
+              <a:rPr lang="fr-FR" dirty="0"/>
+              <a:t>Entre 2 et 5 milliards $ par an</a:t>
+            </a:r>
+          </a:p>
+          <a:p>
+            <a:pPr lvl="1"/>
+            <a:r>
+              <a:rPr lang="fr-FR" dirty="0"/>
+              <a:t>Chiffre d'affaires 2024 : Environ  5 milliards $</a:t>
+            </a:r>
+          </a:p>
+          <a:p>
+            <a:pPr lvl="1"/>
+            <a:r>
+              <a:rPr lang="fr-FR" dirty="0"/>
+              <a:t>Projection 2025 : 10 Milliards ?</a:t>
+            </a:r>
+          </a:p>
+        </p:txBody>
+      </p:sp>
+    </p:spTree>
+    <p:extLst>
+      <p:ext uri="{BB962C8B-B14F-4D97-AF65-F5344CB8AC3E}">
+        <p14:creationId xmlns:p14="http://schemas.microsoft.com/office/powerpoint/2010/main" val="3345991631"/>
       </p:ext>
     </p:extLst>
   </p:cSld>
